--- a/Презентация.pptx
+++ b/Презентация.pptx
@@ -1,19 +1,121 @@
 
 <file path=ppt/presentation.xml><?xml version="1.0" encoding="utf-8"?>
-<p:presentation xmlns:a="http://schemas.openxmlformats.org/drawingml/2006/main" xmlns:p="http://schemas.openxmlformats.org/presentationml/2006/main" xmlns:r="http://schemas.openxmlformats.org/officeDocument/2006/relationships" xmlns:p14="http://schemas.microsoft.com/office/powerpoint/2010/main" xmlns:p15="http://schemas.microsoft.com/office/powerpoint/2012/main" xmlns:mc="http://schemas.openxmlformats.org/markup-compatibility/2006">
+<p:presentation xmlns:a="http://schemas.openxmlformats.org/drawingml/2006/main" xmlns:r="http://schemas.openxmlformats.org/officeDocument/2006/relationships" xmlns:p="http://schemas.openxmlformats.org/presentationml/2006/main">
   <p:sldMasterIdLst>
-    <p:sldMasterId id="2147483648" r:id="rId2"/>
+    <p:sldMasterId id="2147483648" r:id="rId1"/>
   </p:sldMasterIdLst>
   <p:sldIdLst>
-    <p:sldId id="256" r:id="rId3"/>
+    <p:sldId id="256" r:id="rId2"/>
+    <p:sldId id="257" r:id="rId3"/>
+    <p:sldId id="258" r:id="rId4"/>
+    <p:sldId id="259" r:id="rId5"/>
+    <p:sldId id="260" r:id="rId6"/>
+    <p:sldId id="261" r:id="rId7"/>
+    <p:sldId id="262" r:id="rId8"/>
+    <p:sldId id="263" r:id="rId9"/>
   </p:sldIdLst>
   <p:sldSz cx="10080625" cy="5670550"/>
   <p:notesSz cx="7559675" cy="10691813"/>
+  <p:defaultTextStyle>
+    <a:defPPr>
+      <a:defRPr lang="ru-RU"/>
+    </a:defPPr>
+    <a:lvl1pPr marL="0" algn="l" defTabSz="914400" rtl="0" eaLnBrk="1" latinLnBrk="0" hangingPunct="1">
+      <a:defRPr sz="1800" kern="1200">
+        <a:solidFill>
+          <a:schemeClr val="tx1"/>
+        </a:solidFill>
+        <a:latin typeface="+mn-lt"/>
+        <a:ea typeface="+mn-ea"/>
+        <a:cs typeface="+mn-cs"/>
+      </a:defRPr>
+    </a:lvl1pPr>
+    <a:lvl2pPr marL="457200" algn="l" defTabSz="914400" rtl="0" eaLnBrk="1" latinLnBrk="0" hangingPunct="1">
+      <a:defRPr sz="1800" kern="1200">
+        <a:solidFill>
+          <a:schemeClr val="tx1"/>
+        </a:solidFill>
+        <a:latin typeface="+mn-lt"/>
+        <a:ea typeface="+mn-ea"/>
+        <a:cs typeface="+mn-cs"/>
+      </a:defRPr>
+    </a:lvl2pPr>
+    <a:lvl3pPr marL="914400" algn="l" defTabSz="914400" rtl="0" eaLnBrk="1" latinLnBrk="0" hangingPunct="1">
+      <a:defRPr sz="1800" kern="1200">
+        <a:solidFill>
+          <a:schemeClr val="tx1"/>
+        </a:solidFill>
+        <a:latin typeface="+mn-lt"/>
+        <a:ea typeface="+mn-ea"/>
+        <a:cs typeface="+mn-cs"/>
+      </a:defRPr>
+    </a:lvl3pPr>
+    <a:lvl4pPr marL="1371600" algn="l" defTabSz="914400" rtl="0" eaLnBrk="1" latinLnBrk="0" hangingPunct="1">
+      <a:defRPr sz="1800" kern="1200">
+        <a:solidFill>
+          <a:schemeClr val="tx1"/>
+        </a:solidFill>
+        <a:latin typeface="+mn-lt"/>
+        <a:ea typeface="+mn-ea"/>
+        <a:cs typeface="+mn-cs"/>
+      </a:defRPr>
+    </a:lvl4pPr>
+    <a:lvl5pPr marL="1828800" algn="l" defTabSz="914400" rtl="0" eaLnBrk="1" latinLnBrk="0" hangingPunct="1">
+      <a:defRPr sz="1800" kern="1200">
+        <a:solidFill>
+          <a:schemeClr val="tx1"/>
+        </a:solidFill>
+        <a:latin typeface="+mn-lt"/>
+        <a:ea typeface="+mn-ea"/>
+        <a:cs typeface="+mn-cs"/>
+      </a:defRPr>
+    </a:lvl5pPr>
+    <a:lvl6pPr marL="2286000" algn="l" defTabSz="914400" rtl="0" eaLnBrk="1" latinLnBrk="0" hangingPunct="1">
+      <a:defRPr sz="1800" kern="1200">
+        <a:solidFill>
+          <a:schemeClr val="tx1"/>
+        </a:solidFill>
+        <a:latin typeface="+mn-lt"/>
+        <a:ea typeface="+mn-ea"/>
+        <a:cs typeface="+mn-cs"/>
+      </a:defRPr>
+    </a:lvl6pPr>
+    <a:lvl7pPr marL="2743200" algn="l" defTabSz="914400" rtl="0" eaLnBrk="1" latinLnBrk="0" hangingPunct="1">
+      <a:defRPr sz="1800" kern="1200">
+        <a:solidFill>
+          <a:schemeClr val="tx1"/>
+        </a:solidFill>
+        <a:latin typeface="+mn-lt"/>
+        <a:ea typeface="+mn-ea"/>
+        <a:cs typeface="+mn-cs"/>
+      </a:defRPr>
+    </a:lvl7pPr>
+    <a:lvl8pPr marL="3200400" algn="l" defTabSz="914400" rtl="0" eaLnBrk="1" latinLnBrk="0" hangingPunct="1">
+      <a:defRPr sz="1800" kern="1200">
+        <a:solidFill>
+          <a:schemeClr val="tx1"/>
+        </a:solidFill>
+        <a:latin typeface="+mn-lt"/>
+        <a:ea typeface="+mn-ea"/>
+        <a:cs typeface="+mn-cs"/>
+      </a:defRPr>
+    </a:lvl8pPr>
+    <a:lvl9pPr marL="3657600" algn="l" defTabSz="914400" rtl="0" eaLnBrk="1" latinLnBrk="0" hangingPunct="1">
+      <a:defRPr sz="1800" kern="1200">
+        <a:solidFill>
+          <a:schemeClr val="tx1"/>
+        </a:solidFill>
+        <a:latin typeface="+mn-lt"/>
+        <a:ea typeface="+mn-ea"/>
+        <a:cs typeface="+mn-cs"/>
+      </a:defRPr>
+    </a:lvl9pPr>
+  </p:defaultTextStyle>
 </p:presentation>
 </file>
 
 <file path=ppt/slideLayouts/slideLayout1.xml><?xml version="1.0" encoding="utf-8"?>
-<p:sldLayout xmlns:a="http://schemas.openxmlformats.org/drawingml/2006/main" xmlns:p="http://schemas.openxmlformats.org/presentationml/2006/main" xmlns:r="http://schemas.openxmlformats.org/officeDocument/2006/relationships" xmlns:p14="http://schemas.microsoft.com/office/powerpoint/2010/main" xmlns:p15="http://schemas.microsoft.com/office/powerpoint/2012/main" xmlns:mc="http://schemas.openxmlformats.org/markup-compatibility/2006" type="blank" preserve="1">
+<p:sldLayout xmlns:a="http://schemas.openxmlformats.org/drawingml/2006/main" xmlns:r="http://schemas.openxmlformats.org/officeDocument/2006/relationships" xmlns:p="http://schemas.openxmlformats.org/presentationml/2006/main" type="blank" preserve="1">
   <p:cSld name="Blank Slide">
     <p:spTree>
       <p:nvGrpSpPr>
@@ -42,6 +144,7 @@
         <p:spPr/>
         <p:txBody>
           <a:bodyPr/>
+          <a:lstStyle/>
           <a:p>
             <a:r>
               <a:t>Footer</a:t>
@@ -62,10 +165,12 @@
         <p:spPr/>
         <p:txBody>
           <a:bodyPr/>
+          <a:lstStyle/>
           <a:p>
             <a:fld id="{F68D78E9-EBE5-45B6-8862-3426C2DF9A46}" type="slidenum">
-              <a:t>&lt;#&gt;</a:t>
+              <a:t>‹#›</a:t>
             </a:fld>
+            <a:endParaRPr/>
           </a:p>
         </p:txBody>
       </p:sp>
@@ -82,21 +187,22 @@
         <p:spPr/>
         <p:txBody>
           <a:bodyPr/>
-          <a:p>
-            <a:r>
-              <a:rPr lang="ru-RU"/>
-              <a:t/>
-            </a:r>
+          <a:lstStyle/>
+          <a:p>
+            <a:endParaRPr/>
           </a:p>
         </p:txBody>
       </p:sp>
     </p:spTree>
   </p:cSld>
+  <p:clrMapOvr>
+    <a:masterClrMapping/>
+  </p:clrMapOvr>
 </p:sldLayout>
 </file>
 
 <file path=ppt/slideLayouts/slideLayout10.xml><?xml version="1.0" encoding="utf-8"?>
-<p:sldLayout xmlns:a="http://schemas.openxmlformats.org/drawingml/2006/main" xmlns:p="http://schemas.openxmlformats.org/presentationml/2006/main" xmlns:r="http://schemas.openxmlformats.org/officeDocument/2006/relationships" xmlns:p14="http://schemas.microsoft.com/office/powerpoint/2010/main" xmlns:p15="http://schemas.microsoft.com/office/powerpoint/2012/main" xmlns:mc="http://schemas.openxmlformats.org/markup-compatibility/2006" type="objOverTx" preserve="1">
+<p:sldLayout xmlns:a="http://schemas.openxmlformats.org/drawingml/2006/main" xmlns:r="http://schemas.openxmlformats.org/officeDocument/2006/relationships" xmlns:p="http://schemas.openxmlformats.org/presentationml/2006/main" type="objOverTx" preserve="1">
   <p:cSld name="Title, Content over Content">
     <p:spTree>
       <p:nvGrpSpPr>
@@ -136,14 +242,15 @@
           </a:ln>
         </p:spPr>
         <p:txBody>
-          <a:bodyPr lIns="0" rIns="0" tIns="0" bIns="0" anchor="ctr">
+          <a:bodyPr lIns="0" tIns="0" rIns="0" bIns="0" anchor="ctr">
             <a:noAutofit/>
           </a:bodyPr>
+          <a:lstStyle/>
           <a:p>
             <a:pPr algn="ctr">
               <a:buNone/>
             </a:pPr>
-            <a:endParaRPr b="0" lang="ru-RU" sz="4400" spc="-1" strike="noStrike">
+            <a:endParaRPr lang="ru-RU" sz="4400" b="0" strike="noStrike" spc="-1">
               <a:latin typeface="Arial"/>
             </a:endParaRPr>
           </a:p>
@@ -173,11 +280,12 @@
           </a:ln>
         </p:spPr>
         <p:txBody>
-          <a:bodyPr lIns="0" rIns="0" tIns="0" bIns="0" anchor="t">
+          <a:bodyPr lIns="0" tIns="0" rIns="0" bIns="0" anchor="t">
             <a:normAutofit/>
           </a:bodyPr>
-          <a:p>
-            <a:endParaRPr b="0" lang="ru-RU" sz="3200" spc="-1" strike="noStrike">
+          <a:lstStyle/>
+          <a:p>
+            <a:endParaRPr lang="ru-RU" sz="3200" b="0" strike="noStrike" spc="-1">
               <a:latin typeface="Arial"/>
             </a:endParaRPr>
           </a:p>
@@ -207,11 +315,12 @@
           </a:ln>
         </p:spPr>
         <p:txBody>
-          <a:bodyPr lIns="0" rIns="0" tIns="0" bIns="0" anchor="t">
+          <a:bodyPr lIns="0" tIns="0" rIns="0" bIns="0" anchor="t">
             <a:normAutofit/>
           </a:bodyPr>
-          <a:p>
-            <a:endParaRPr b="0" lang="ru-RU" sz="3200" spc="-1" strike="noStrike">
+          <a:lstStyle/>
+          <a:p>
+            <a:endParaRPr lang="ru-RU" sz="3200" b="0" strike="noStrike" spc="-1">
               <a:latin typeface="Arial"/>
             </a:endParaRPr>
           </a:p>
@@ -230,6 +339,7 @@
         <p:spPr/>
         <p:txBody>
           <a:bodyPr/>
+          <a:lstStyle/>
           <a:p>
             <a:r>
               <a:t>Footer</a:t>
@@ -250,10 +360,12 @@
         <p:spPr/>
         <p:txBody>
           <a:bodyPr/>
+          <a:lstStyle/>
           <a:p>
             <a:fld id="{1BC743D2-B033-4129-A16D-A5DE8D592BBE}" type="slidenum">
-              <a:t>&lt;#&gt;</a:t>
+              <a:t>‹#›</a:t>
             </a:fld>
+            <a:endParaRPr/>
           </a:p>
         </p:txBody>
       </p:sp>
@@ -270,21 +382,22 @@
         <p:spPr/>
         <p:txBody>
           <a:bodyPr/>
-          <a:p>
-            <a:r>
-              <a:rPr lang="ru-RU"/>
-              <a:t/>
-            </a:r>
+          <a:lstStyle/>
+          <a:p>
+            <a:endParaRPr/>
           </a:p>
         </p:txBody>
       </p:sp>
     </p:spTree>
   </p:cSld>
+  <p:clrMapOvr>
+    <a:masterClrMapping/>
+  </p:clrMapOvr>
 </p:sldLayout>
 </file>
 
 <file path=ppt/slideLayouts/slideLayout11.xml><?xml version="1.0" encoding="utf-8"?>
-<p:sldLayout xmlns:a="http://schemas.openxmlformats.org/drawingml/2006/main" xmlns:p="http://schemas.openxmlformats.org/presentationml/2006/main" xmlns:r="http://schemas.openxmlformats.org/officeDocument/2006/relationships" xmlns:p14="http://schemas.microsoft.com/office/powerpoint/2010/main" xmlns:p15="http://schemas.microsoft.com/office/powerpoint/2012/main" xmlns:mc="http://schemas.openxmlformats.org/markup-compatibility/2006" type="fourObj" preserve="1">
+<p:sldLayout xmlns:a="http://schemas.openxmlformats.org/drawingml/2006/main" xmlns:r="http://schemas.openxmlformats.org/officeDocument/2006/relationships" xmlns:p="http://schemas.openxmlformats.org/presentationml/2006/main" type="fourObj" preserve="1">
   <p:cSld name="Title, 4 Content">
     <p:spTree>
       <p:nvGrpSpPr>
@@ -324,14 +437,15 @@
           </a:ln>
         </p:spPr>
         <p:txBody>
-          <a:bodyPr lIns="0" rIns="0" tIns="0" bIns="0" anchor="ctr">
+          <a:bodyPr lIns="0" tIns="0" rIns="0" bIns="0" anchor="ctr">
             <a:noAutofit/>
           </a:bodyPr>
+          <a:lstStyle/>
           <a:p>
             <a:pPr algn="ctr">
               <a:buNone/>
             </a:pPr>
-            <a:endParaRPr b="0" lang="ru-RU" sz="4400" spc="-1" strike="noStrike">
+            <a:endParaRPr lang="ru-RU" sz="4400" b="0" strike="noStrike" spc="-1">
               <a:latin typeface="Arial"/>
             </a:endParaRPr>
           </a:p>
@@ -361,11 +475,12 @@
           </a:ln>
         </p:spPr>
         <p:txBody>
-          <a:bodyPr lIns="0" rIns="0" tIns="0" bIns="0" anchor="t">
+          <a:bodyPr lIns="0" tIns="0" rIns="0" bIns="0" anchor="t">
             <a:normAutofit/>
           </a:bodyPr>
-          <a:p>
-            <a:endParaRPr b="0" lang="ru-RU" sz="3200" spc="-1" strike="noStrike">
+          <a:lstStyle/>
+          <a:p>
+            <a:endParaRPr lang="ru-RU" sz="3200" b="0" strike="noStrike" spc="-1">
               <a:latin typeface="Arial"/>
             </a:endParaRPr>
           </a:p>
@@ -395,11 +510,12 @@
           </a:ln>
         </p:spPr>
         <p:txBody>
-          <a:bodyPr lIns="0" rIns="0" tIns="0" bIns="0" anchor="t">
+          <a:bodyPr lIns="0" tIns="0" rIns="0" bIns="0" anchor="t">
             <a:normAutofit/>
           </a:bodyPr>
-          <a:p>
-            <a:endParaRPr b="0" lang="ru-RU" sz="3200" spc="-1" strike="noStrike">
+          <a:lstStyle/>
+          <a:p>
+            <a:endParaRPr lang="ru-RU" sz="3200" b="0" strike="noStrike" spc="-1">
               <a:latin typeface="Arial"/>
             </a:endParaRPr>
           </a:p>
@@ -429,11 +545,12 @@
           </a:ln>
         </p:spPr>
         <p:txBody>
-          <a:bodyPr lIns="0" rIns="0" tIns="0" bIns="0" anchor="t">
+          <a:bodyPr lIns="0" tIns="0" rIns="0" bIns="0" anchor="t">
             <a:normAutofit/>
           </a:bodyPr>
-          <a:p>
-            <a:endParaRPr b="0" lang="ru-RU" sz="3200" spc="-1" strike="noStrike">
+          <a:lstStyle/>
+          <a:p>
+            <a:endParaRPr lang="ru-RU" sz="3200" b="0" strike="noStrike" spc="-1">
               <a:latin typeface="Arial"/>
             </a:endParaRPr>
           </a:p>
@@ -463,11 +580,12 @@
           </a:ln>
         </p:spPr>
         <p:txBody>
-          <a:bodyPr lIns="0" rIns="0" tIns="0" bIns="0" anchor="t">
+          <a:bodyPr lIns="0" tIns="0" rIns="0" bIns="0" anchor="t">
             <a:normAutofit/>
           </a:bodyPr>
-          <a:p>
-            <a:endParaRPr b="0" lang="ru-RU" sz="3200" spc="-1" strike="noStrike">
+          <a:lstStyle/>
+          <a:p>
+            <a:endParaRPr lang="ru-RU" sz="3200" b="0" strike="noStrike" spc="-1">
               <a:latin typeface="Arial"/>
             </a:endParaRPr>
           </a:p>
@@ -486,6 +604,7 @@
         <p:spPr/>
         <p:txBody>
           <a:bodyPr/>
+          <a:lstStyle/>
           <a:p>
             <a:r>
               <a:t>Footer</a:t>
@@ -506,10 +625,12 @@
         <p:spPr/>
         <p:txBody>
           <a:bodyPr/>
+          <a:lstStyle/>
           <a:p>
             <a:fld id="{EC180F4D-287F-4C67-879E-839A3040F032}" type="slidenum">
-              <a:t>&lt;#&gt;</a:t>
+              <a:t>‹#›</a:t>
             </a:fld>
+            <a:endParaRPr/>
           </a:p>
         </p:txBody>
       </p:sp>
@@ -526,21 +647,22 @@
         <p:spPr/>
         <p:txBody>
           <a:bodyPr/>
-          <a:p>
-            <a:r>
-              <a:rPr lang="ru-RU"/>
-              <a:t/>
-            </a:r>
+          <a:lstStyle/>
+          <a:p>
+            <a:endParaRPr/>
           </a:p>
         </p:txBody>
       </p:sp>
     </p:spTree>
   </p:cSld>
+  <p:clrMapOvr>
+    <a:masterClrMapping/>
+  </p:clrMapOvr>
 </p:sldLayout>
 </file>
 
 <file path=ppt/slideLayouts/slideLayout12.xml><?xml version="1.0" encoding="utf-8"?>
-<p:sldLayout xmlns:a="http://schemas.openxmlformats.org/drawingml/2006/main" xmlns:p="http://schemas.openxmlformats.org/presentationml/2006/main" xmlns:r="http://schemas.openxmlformats.org/officeDocument/2006/relationships" xmlns:p14="http://schemas.microsoft.com/office/powerpoint/2010/main" xmlns:p15="http://schemas.microsoft.com/office/powerpoint/2012/main" xmlns:mc="http://schemas.openxmlformats.org/markup-compatibility/2006" type="blank" preserve="1">
+<p:sldLayout xmlns:a="http://schemas.openxmlformats.org/drawingml/2006/main" xmlns:r="http://schemas.openxmlformats.org/officeDocument/2006/relationships" xmlns:p="http://schemas.openxmlformats.org/presentationml/2006/main" type="blank" preserve="1">
   <p:cSld name="Title, 6 Content">
     <p:spTree>
       <p:nvGrpSpPr>
@@ -580,14 +702,15 @@
           </a:ln>
         </p:spPr>
         <p:txBody>
-          <a:bodyPr lIns="0" rIns="0" tIns="0" bIns="0" anchor="ctr">
+          <a:bodyPr lIns="0" tIns="0" rIns="0" bIns="0" anchor="ctr">
             <a:noAutofit/>
           </a:bodyPr>
+          <a:lstStyle/>
           <a:p>
             <a:pPr algn="ctr">
               <a:buNone/>
             </a:pPr>
-            <a:endParaRPr b="0" lang="ru-RU" sz="4400" spc="-1" strike="noStrike">
+            <a:endParaRPr lang="ru-RU" sz="4400" b="0" strike="noStrike" spc="-1">
               <a:latin typeface="Arial"/>
             </a:endParaRPr>
           </a:p>
@@ -617,11 +740,12 @@
           </a:ln>
         </p:spPr>
         <p:txBody>
-          <a:bodyPr lIns="0" rIns="0" tIns="0" bIns="0" anchor="t">
+          <a:bodyPr lIns="0" tIns="0" rIns="0" bIns="0" anchor="t">
             <a:normAutofit fontScale="82000"/>
           </a:bodyPr>
-          <a:p>
-            <a:endParaRPr b="0" lang="ru-RU" sz="3200" spc="-1" strike="noStrike">
+          <a:lstStyle/>
+          <a:p>
+            <a:endParaRPr lang="ru-RU" sz="3200" b="0" strike="noStrike" spc="-1">
               <a:latin typeface="Arial"/>
             </a:endParaRPr>
           </a:p>
@@ -651,11 +775,12 @@
           </a:ln>
         </p:spPr>
         <p:txBody>
-          <a:bodyPr lIns="0" rIns="0" tIns="0" bIns="0" anchor="t">
+          <a:bodyPr lIns="0" tIns="0" rIns="0" bIns="0" anchor="t">
             <a:normAutofit fontScale="82000"/>
           </a:bodyPr>
-          <a:p>
-            <a:endParaRPr b="0" lang="ru-RU" sz="3200" spc="-1" strike="noStrike">
+          <a:lstStyle/>
+          <a:p>
+            <a:endParaRPr lang="ru-RU" sz="3200" b="0" strike="noStrike" spc="-1">
               <a:latin typeface="Arial"/>
             </a:endParaRPr>
           </a:p>
@@ -685,11 +810,12 @@
           </a:ln>
         </p:spPr>
         <p:txBody>
-          <a:bodyPr lIns="0" rIns="0" tIns="0" bIns="0" anchor="t">
+          <a:bodyPr lIns="0" tIns="0" rIns="0" bIns="0" anchor="t">
             <a:normAutofit fontScale="82000"/>
           </a:bodyPr>
-          <a:p>
-            <a:endParaRPr b="0" lang="ru-RU" sz="3200" spc="-1" strike="noStrike">
+          <a:lstStyle/>
+          <a:p>
+            <a:endParaRPr lang="ru-RU" sz="3200" b="0" strike="noStrike" spc="-1">
               <a:latin typeface="Arial"/>
             </a:endParaRPr>
           </a:p>
@@ -719,11 +845,12 @@
           </a:ln>
         </p:spPr>
         <p:txBody>
-          <a:bodyPr lIns="0" rIns="0" tIns="0" bIns="0" anchor="t">
+          <a:bodyPr lIns="0" tIns="0" rIns="0" bIns="0" anchor="t">
             <a:normAutofit fontScale="82000"/>
           </a:bodyPr>
-          <a:p>
-            <a:endParaRPr b="0" lang="ru-RU" sz="3200" spc="-1" strike="noStrike">
+          <a:lstStyle/>
+          <a:p>
+            <a:endParaRPr lang="ru-RU" sz="3200" b="0" strike="noStrike" spc="-1">
               <a:latin typeface="Arial"/>
             </a:endParaRPr>
           </a:p>
@@ -753,11 +880,12 @@
           </a:ln>
         </p:spPr>
         <p:txBody>
-          <a:bodyPr lIns="0" rIns="0" tIns="0" bIns="0" anchor="t">
+          <a:bodyPr lIns="0" tIns="0" rIns="0" bIns="0" anchor="t">
             <a:normAutofit fontScale="82000"/>
           </a:bodyPr>
-          <a:p>
-            <a:endParaRPr b="0" lang="ru-RU" sz="3200" spc="-1" strike="noStrike">
+          <a:lstStyle/>
+          <a:p>
+            <a:endParaRPr lang="ru-RU" sz="3200" b="0" strike="noStrike" spc="-1">
               <a:latin typeface="Arial"/>
             </a:endParaRPr>
           </a:p>
@@ -787,11 +915,12 @@
           </a:ln>
         </p:spPr>
         <p:txBody>
-          <a:bodyPr lIns="0" rIns="0" tIns="0" bIns="0" anchor="t">
+          <a:bodyPr lIns="0" tIns="0" rIns="0" bIns="0" anchor="t">
             <a:normAutofit fontScale="82000"/>
           </a:bodyPr>
-          <a:p>
-            <a:endParaRPr b="0" lang="ru-RU" sz="3200" spc="-1" strike="noStrike">
+          <a:lstStyle/>
+          <a:p>
+            <a:endParaRPr lang="ru-RU" sz="3200" b="0" strike="noStrike" spc="-1">
               <a:latin typeface="Arial"/>
             </a:endParaRPr>
           </a:p>
@@ -810,6 +939,7 @@
         <p:spPr/>
         <p:txBody>
           <a:bodyPr/>
+          <a:lstStyle/>
           <a:p>
             <a:r>
               <a:t>Footer</a:t>
@@ -830,10 +960,12 @@
         <p:spPr/>
         <p:txBody>
           <a:bodyPr/>
+          <a:lstStyle/>
           <a:p>
             <a:fld id="{558C65ED-4CBB-4024-B6ED-6AC4CC7FEC49}" type="slidenum">
-              <a:t>&lt;#&gt;</a:t>
+              <a:t>‹#›</a:t>
             </a:fld>
+            <a:endParaRPr/>
           </a:p>
         </p:txBody>
       </p:sp>
@@ -850,21 +982,22 @@
         <p:spPr/>
         <p:txBody>
           <a:bodyPr/>
-          <a:p>
-            <a:r>
-              <a:rPr lang="ru-RU"/>
-              <a:t/>
-            </a:r>
+          <a:lstStyle/>
+          <a:p>
+            <a:endParaRPr/>
           </a:p>
         </p:txBody>
       </p:sp>
     </p:spTree>
   </p:cSld>
+  <p:clrMapOvr>
+    <a:masterClrMapping/>
+  </p:clrMapOvr>
 </p:sldLayout>
 </file>
 
 <file path=ppt/slideLayouts/slideLayout2.xml><?xml version="1.0" encoding="utf-8"?>
-<p:sldLayout xmlns:a="http://schemas.openxmlformats.org/drawingml/2006/main" xmlns:p="http://schemas.openxmlformats.org/presentationml/2006/main" xmlns:r="http://schemas.openxmlformats.org/officeDocument/2006/relationships" xmlns:p14="http://schemas.microsoft.com/office/powerpoint/2010/main" xmlns:p15="http://schemas.microsoft.com/office/powerpoint/2012/main" xmlns:mc="http://schemas.openxmlformats.org/markup-compatibility/2006" type="tx" preserve="1">
+<p:sldLayout xmlns:a="http://schemas.openxmlformats.org/drawingml/2006/main" xmlns:r="http://schemas.openxmlformats.org/officeDocument/2006/relationships" xmlns:p="http://schemas.openxmlformats.org/presentationml/2006/main" type="tx" preserve="1">
   <p:cSld name="Title Slide">
     <p:spTree>
       <p:nvGrpSpPr>
@@ -904,14 +1037,15 @@
           </a:ln>
         </p:spPr>
         <p:txBody>
-          <a:bodyPr lIns="0" rIns="0" tIns="0" bIns="0" anchor="ctr">
+          <a:bodyPr lIns="0" tIns="0" rIns="0" bIns="0" anchor="ctr">
             <a:noAutofit/>
           </a:bodyPr>
+          <a:lstStyle/>
           <a:p>
             <a:pPr algn="ctr">
               <a:buNone/>
             </a:pPr>
-            <a:endParaRPr b="0" lang="ru-RU" sz="4400" spc="-1" strike="noStrike">
+            <a:endParaRPr lang="ru-RU" sz="4400" b="0" strike="noStrike" spc="-1">
               <a:latin typeface="Arial"/>
             </a:endParaRPr>
           </a:p>
@@ -941,14 +1075,15 @@
           </a:ln>
         </p:spPr>
         <p:txBody>
-          <a:bodyPr lIns="0" rIns="0" tIns="0" bIns="0" anchor="ctr">
+          <a:bodyPr lIns="0" tIns="0" rIns="0" bIns="0" anchor="ctr">
             <a:noAutofit/>
           </a:bodyPr>
+          <a:lstStyle/>
           <a:p>
             <a:pPr algn="ctr">
               <a:buNone/>
             </a:pPr>
-            <a:endParaRPr b="0" lang="ru-RU" sz="3200" spc="-1" strike="noStrike">
+            <a:endParaRPr lang="ru-RU" sz="3200" b="0" strike="noStrike" spc="-1">
               <a:latin typeface="Arial"/>
             </a:endParaRPr>
           </a:p>
@@ -967,6 +1102,7 @@
         <p:spPr/>
         <p:txBody>
           <a:bodyPr/>
+          <a:lstStyle/>
           <a:p>
             <a:r>
               <a:t>Footer</a:t>
@@ -976,7 +1112,7 @@
       </p:sp>
       <p:sp>
         <p:nvSpPr>
-          <p:cNvPr id="5" name="PlaceHolder 4"/>
+          <p:cNvPr id="2" name="PlaceHolder 4"/>
           <p:cNvSpPr>
             <a:spLocks noGrp="1"/>
           </p:cNvSpPr>
@@ -987,16 +1123,18 @@
         <p:spPr/>
         <p:txBody>
           <a:bodyPr/>
+          <a:lstStyle/>
           <a:p>
             <a:fld id="{BC28ED67-F340-4185-B6D5-300CCE90906C}" type="slidenum">
-              <a:t>&lt;#&gt;</a:t>
+              <a:t>‹#›</a:t>
             </a:fld>
-          </a:p>
-        </p:txBody>
-      </p:sp>
-      <p:sp>
-        <p:nvSpPr>
-          <p:cNvPr id="6" name="PlaceHolder 5"/>
+            <a:endParaRPr/>
+          </a:p>
+        </p:txBody>
+      </p:sp>
+      <p:sp>
+        <p:nvSpPr>
+          <p:cNvPr id="3" name="PlaceHolder 5"/>
           <p:cNvSpPr>
             <a:spLocks noGrp="1"/>
           </p:cNvSpPr>
@@ -1007,21 +1145,22 @@
         <p:spPr/>
         <p:txBody>
           <a:bodyPr/>
-          <a:p>
-            <a:r>
-              <a:rPr lang="ru-RU"/>
-              <a:t/>
-            </a:r>
+          <a:lstStyle/>
+          <a:p>
+            <a:endParaRPr/>
           </a:p>
         </p:txBody>
       </p:sp>
     </p:spTree>
   </p:cSld>
+  <p:clrMapOvr>
+    <a:masterClrMapping/>
+  </p:clrMapOvr>
 </p:sldLayout>
 </file>
 
 <file path=ppt/slideLayouts/slideLayout3.xml><?xml version="1.0" encoding="utf-8"?>
-<p:sldLayout xmlns:a="http://schemas.openxmlformats.org/drawingml/2006/main" xmlns:p="http://schemas.openxmlformats.org/presentationml/2006/main" xmlns:r="http://schemas.openxmlformats.org/officeDocument/2006/relationships" xmlns:p14="http://schemas.microsoft.com/office/powerpoint/2010/main" xmlns:p15="http://schemas.microsoft.com/office/powerpoint/2012/main" xmlns:mc="http://schemas.openxmlformats.org/markup-compatibility/2006" type="obj" preserve="1">
+<p:sldLayout xmlns:a="http://schemas.openxmlformats.org/drawingml/2006/main" xmlns:r="http://schemas.openxmlformats.org/officeDocument/2006/relationships" xmlns:p="http://schemas.openxmlformats.org/presentationml/2006/main" type="obj" preserve="1">
   <p:cSld name="Title, Content">
     <p:spTree>
       <p:nvGrpSpPr>
@@ -1061,14 +1200,15 @@
           </a:ln>
         </p:spPr>
         <p:txBody>
-          <a:bodyPr lIns="0" rIns="0" tIns="0" bIns="0" anchor="ctr">
+          <a:bodyPr lIns="0" tIns="0" rIns="0" bIns="0" anchor="ctr">
             <a:noAutofit/>
           </a:bodyPr>
+          <a:lstStyle/>
           <a:p>
             <a:pPr algn="ctr">
               <a:buNone/>
             </a:pPr>
-            <a:endParaRPr b="0" lang="ru-RU" sz="4400" spc="-1" strike="noStrike">
+            <a:endParaRPr lang="ru-RU" sz="4400" b="0" strike="noStrike" spc="-1">
               <a:latin typeface="Arial"/>
             </a:endParaRPr>
           </a:p>
@@ -1098,11 +1238,12 @@
           </a:ln>
         </p:spPr>
         <p:txBody>
-          <a:bodyPr lIns="0" rIns="0" tIns="0" bIns="0" anchor="t">
+          <a:bodyPr lIns="0" tIns="0" rIns="0" bIns="0" anchor="t">
             <a:normAutofit/>
           </a:bodyPr>
-          <a:p>
-            <a:endParaRPr b="0" lang="ru-RU" sz="3200" spc="-1" strike="noStrike">
+          <a:lstStyle/>
+          <a:p>
+            <a:endParaRPr lang="ru-RU" sz="3200" b="0" strike="noStrike" spc="-1">
               <a:latin typeface="Arial"/>
             </a:endParaRPr>
           </a:p>
@@ -1121,6 +1262,7 @@
         <p:spPr/>
         <p:txBody>
           <a:bodyPr/>
+          <a:lstStyle/>
           <a:p>
             <a:r>
               <a:t>Footer</a:t>
@@ -1141,10 +1283,12 @@
         <p:spPr/>
         <p:txBody>
           <a:bodyPr/>
+          <a:lstStyle/>
           <a:p>
             <a:fld id="{EFF5E5B1-B808-47D3-B9F0-92D35709137D}" type="slidenum">
-              <a:t>&lt;#&gt;</a:t>
+              <a:t>‹#›</a:t>
             </a:fld>
+            <a:endParaRPr/>
           </a:p>
         </p:txBody>
       </p:sp>
@@ -1161,21 +1305,22 @@
         <p:spPr/>
         <p:txBody>
           <a:bodyPr/>
-          <a:p>
-            <a:r>
-              <a:rPr lang="ru-RU"/>
-              <a:t/>
-            </a:r>
+          <a:lstStyle/>
+          <a:p>
+            <a:endParaRPr/>
           </a:p>
         </p:txBody>
       </p:sp>
     </p:spTree>
   </p:cSld>
+  <p:clrMapOvr>
+    <a:masterClrMapping/>
+  </p:clrMapOvr>
 </p:sldLayout>
 </file>
 
 <file path=ppt/slideLayouts/slideLayout4.xml><?xml version="1.0" encoding="utf-8"?>
-<p:sldLayout xmlns:a="http://schemas.openxmlformats.org/drawingml/2006/main" xmlns:p="http://schemas.openxmlformats.org/presentationml/2006/main" xmlns:r="http://schemas.openxmlformats.org/officeDocument/2006/relationships" xmlns:p14="http://schemas.microsoft.com/office/powerpoint/2010/main" xmlns:p15="http://schemas.microsoft.com/office/powerpoint/2012/main" xmlns:mc="http://schemas.openxmlformats.org/markup-compatibility/2006" type="twoObj" preserve="1">
+<p:sldLayout xmlns:a="http://schemas.openxmlformats.org/drawingml/2006/main" xmlns:r="http://schemas.openxmlformats.org/officeDocument/2006/relationships" xmlns:p="http://schemas.openxmlformats.org/presentationml/2006/main" type="twoObj" preserve="1">
   <p:cSld name="Title, 2 Content">
     <p:spTree>
       <p:nvGrpSpPr>
@@ -1215,14 +1360,15 @@
           </a:ln>
         </p:spPr>
         <p:txBody>
-          <a:bodyPr lIns="0" rIns="0" tIns="0" bIns="0" anchor="ctr">
+          <a:bodyPr lIns="0" tIns="0" rIns="0" bIns="0" anchor="ctr">
             <a:noAutofit/>
           </a:bodyPr>
+          <a:lstStyle/>
           <a:p>
             <a:pPr algn="ctr">
               <a:buNone/>
             </a:pPr>
-            <a:endParaRPr b="0" lang="ru-RU" sz="4400" spc="-1" strike="noStrike">
+            <a:endParaRPr lang="ru-RU" sz="4400" b="0" strike="noStrike" spc="-1">
               <a:latin typeface="Arial"/>
             </a:endParaRPr>
           </a:p>
@@ -1252,11 +1398,12 @@
           </a:ln>
         </p:spPr>
         <p:txBody>
-          <a:bodyPr lIns="0" rIns="0" tIns="0" bIns="0" anchor="t">
+          <a:bodyPr lIns="0" tIns="0" rIns="0" bIns="0" anchor="t">
             <a:normAutofit/>
           </a:bodyPr>
-          <a:p>
-            <a:endParaRPr b="0" lang="ru-RU" sz="3200" spc="-1" strike="noStrike">
+          <a:lstStyle/>
+          <a:p>
+            <a:endParaRPr lang="ru-RU" sz="3200" b="0" strike="noStrike" spc="-1">
               <a:latin typeface="Arial"/>
             </a:endParaRPr>
           </a:p>
@@ -1286,11 +1433,12 @@
           </a:ln>
         </p:spPr>
         <p:txBody>
-          <a:bodyPr lIns="0" rIns="0" tIns="0" bIns="0" anchor="t">
+          <a:bodyPr lIns="0" tIns="0" rIns="0" bIns="0" anchor="t">
             <a:normAutofit/>
           </a:bodyPr>
-          <a:p>
-            <a:endParaRPr b="0" lang="ru-RU" sz="3200" spc="-1" strike="noStrike">
+          <a:lstStyle/>
+          <a:p>
+            <a:endParaRPr lang="ru-RU" sz="3200" b="0" strike="noStrike" spc="-1">
               <a:latin typeface="Arial"/>
             </a:endParaRPr>
           </a:p>
@@ -1309,6 +1457,7 @@
         <p:spPr/>
         <p:txBody>
           <a:bodyPr/>
+          <a:lstStyle/>
           <a:p>
             <a:r>
               <a:t>Footer</a:t>
@@ -1329,10 +1478,12 @@
         <p:spPr/>
         <p:txBody>
           <a:bodyPr/>
+          <a:lstStyle/>
           <a:p>
             <a:fld id="{1CE6E50B-7E6F-48F6-9694-EA70D2E919A3}" type="slidenum">
-              <a:t>&lt;#&gt;</a:t>
+              <a:t>‹#›</a:t>
             </a:fld>
+            <a:endParaRPr/>
           </a:p>
         </p:txBody>
       </p:sp>
@@ -1349,21 +1500,22 @@
         <p:spPr/>
         <p:txBody>
           <a:bodyPr/>
-          <a:p>
-            <a:r>
-              <a:rPr lang="ru-RU"/>
-              <a:t/>
-            </a:r>
+          <a:lstStyle/>
+          <a:p>
+            <a:endParaRPr/>
           </a:p>
         </p:txBody>
       </p:sp>
     </p:spTree>
   </p:cSld>
+  <p:clrMapOvr>
+    <a:masterClrMapping/>
+  </p:clrMapOvr>
 </p:sldLayout>
 </file>
 
 <file path=ppt/slideLayouts/slideLayout5.xml><?xml version="1.0" encoding="utf-8"?>
-<p:sldLayout xmlns:a="http://schemas.openxmlformats.org/drawingml/2006/main" xmlns:p="http://schemas.openxmlformats.org/presentationml/2006/main" xmlns:r="http://schemas.openxmlformats.org/officeDocument/2006/relationships" xmlns:p14="http://schemas.microsoft.com/office/powerpoint/2010/main" xmlns:p15="http://schemas.microsoft.com/office/powerpoint/2012/main" xmlns:mc="http://schemas.openxmlformats.org/markup-compatibility/2006" type="titleOnly" preserve="1">
+<p:sldLayout xmlns:a="http://schemas.openxmlformats.org/drawingml/2006/main" xmlns:r="http://schemas.openxmlformats.org/officeDocument/2006/relationships" xmlns:p="http://schemas.openxmlformats.org/presentationml/2006/main" type="titleOnly" preserve="1">
   <p:cSld name="Title Only">
     <p:spTree>
       <p:nvGrpSpPr>
@@ -1403,14 +1555,15 @@
           </a:ln>
         </p:spPr>
         <p:txBody>
-          <a:bodyPr lIns="0" rIns="0" tIns="0" bIns="0" anchor="ctr">
+          <a:bodyPr lIns="0" tIns="0" rIns="0" bIns="0" anchor="ctr">
             <a:noAutofit/>
           </a:bodyPr>
+          <a:lstStyle/>
           <a:p>
             <a:pPr algn="ctr">
               <a:buNone/>
             </a:pPr>
-            <a:endParaRPr b="0" lang="ru-RU" sz="4400" spc="-1" strike="noStrike">
+            <a:endParaRPr lang="ru-RU" sz="4400" b="0" strike="noStrike" spc="-1">
               <a:latin typeface="Arial"/>
             </a:endParaRPr>
           </a:p>
@@ -1429,6 +1582,7 @@
         <p:spPr/>
         <p:txBody>
           <a:bodyPr/>
+          <a:lstStyle/>
           <a:p>
             <a:r>
               <a:t>Footer</a:t>
@@ -1449,10 +1603,12 @@
         <p:spPr/>
         <p:txBody>
           <a:bodyPr/>
+          <a:lstStyle/>
           <a:p>
             <a:fld id="{FA74DBC4-91B3-43A4-8553-7FD0743EEEB5}" type="slidenum">
-              <a:t>&lt;#&gt;</a:t>
+              <a:t>‹#›</a:t>
             </a:fld>
+            <a:endParaRPr/>
           </a:p>
         </p:txBody>
       </p:sp>
@@ -1469,21 +1625,22 @@
         <p:spPr/>
         <p:txBody>
           <a:bodyPr/>
-          <a:p>
-            <a:r>
-              <a:rPr lang="ru-RU"/>
-              <a:t/>
-            </a:r>
+          <a:lstStyle/>
+          <a:p>
+            <a:endParaRPr/>
           </a:p>
         </p:txBody>
       </p:sp>
     </p:spTree>
   </p:cSld>
+  <p:clrMapOvr>
+    <a:masterClrMapping/>
+  </p:clrMapOvr>
 </p:sldLayout>
 </file>
 
 <file path=ppt/slideLayouts/slideLayout6.xml><?xml version="1.0" encoding="utf-8"?>
-<p:sldLayout xmlns:a="http://schemas.openxmlformats.org/drawingml/2006/main" xmlns:p="http://schemas.openxmlformats.org/presentationml/2006/main" xmlns:r="http://schemas.openxmlformats.org/officeDocument/2006/relationships" xmlns:p14="http://schemas.microsoft.com/office/powerpoint/2010/main" xmlns:p15="http://schemas.microsoft.com/office/powerpoint/2012/main" xmlns:mc="http://schemas.openxmlformats.org/markup-compatibility/2006" type="objOnly" preserve="1">
+<p:sldLayout xmlns:a="http://schemas.openxmlformats.org/drawingml/2006/main" xmlns:r="http://schemas.openxmlformats.org/officeDocument/2006/relationships" xmlns:p="http://schemas.openxmlformats.org/presentationml/2006/main" type="objOnly" preserve="1">
   <p:cSld name="Centered Text">
     <p:spTree>
       <p:nvGrpSpPr>
@@ -1523,14 +1680,15 @@
           </a:ln>
         </p:spPr>
         <p:txBody>
-          <a:bodyPr lIns="0" rIns="0" tIns="0" bIns="0" anchor="ctr">
+          <a:bodyPr lIns="0" tIns="0" rIns="0" bIns="0" anchor="ctr">
             <a:noAutofit/>
           </a:bodyPr>
+          <a:lstStyle/>
           <a:p>
             <a:pPr algn="ctr">
               <a:buNone/>
             </a:pPr>
-            <a:endParaRPr b="0" lang="ru-RU" sz="3200" spc="-1" strike="noStrike">
+            <a:endParaRPr lang="ru-RU" sz="3200" b="0" strike="noStrike" spc="-1">
               <a:latin typeface="Arial"/>
             </a:endParaRPr>
           </a:p>
@@ -1549,6 +1707,7 @@
         <p:spPr/>
         <p:txBody>
           <a:bodyPr/>
+          <a:lstStyle/>
           <a:p>
             <a:r>
               <a:t>Footer</a:t>
@@ -1569,10 +1728,12 @@
         <p:spPr/>
         <p:txBody>
           <a:bodyPr/>
+          <a:lstStyle/>
           <a:p>
             <a:fld id="{E3C3E349-F309-4D8B-955A-E872CEF6F40F}" type="slidenum">
-              <a:t>&lt;#&gt;</a:t>
+              <a:t>‹#›</a:t>
             </a:fld>
+            <a:endParaRPr/>
           </a:p>
         </p:txBody>
       </p:sp>
@@ -1589,21 +1750,22 @@
         <p:spPr/>
         <p:txBody>
           <a:bodyPr/>
-          <a:p>
-            <a:r>
-              <a:rPr lang="ru-RU"/>
-              <a:t/>
-            </a:r>
+          <a:lstStyle/>
+          <a:p>
+            <a:endParaRPr/>
           </a:p>
         </p:txBody>
       </p:sp>
     </p:spTree>
   </p:cSld>
+  <p:clrMapOvr>
+    <a:masterClrMapping/>
+  </p:clrMapOvr>
 </p:sldLayout>
 </file>
 
 <file path=ppt/slideLayouts/slideLayout7.xml><?xml version="1.0" encoding="utf-8"?>
-<p:sldLayout xmlns:a="http://schemas.openxmlformats.org/drawingml/2006/main" xmlns:p="http://schemas.openxmlformats.org/presentationml/2006/main" xmlns:r="http://schemas.openxmlformats.org/officeDocument/2006/relationships" xmlns:p14="http://schemas.microsoft.com/office/powerpoint/2010/main" xmlns:p15="http://schemas.microsoft.com/office/powerpoint/2012/main" xmlns:mc="http://schemas.openxmlformats.org/markup-compatibility/2006" type="twoObjAndObj" preserve="1">
+<p:sldLayout xmlns:a="http://schemas.openxmlformats.org/drawingml/2006/main" xmlns:r="http://schemas.openxmlformats.org/officeDocument/2006/relationships" xmlns:p="http://schemas.openxmlformats.org/presentationml/2006/main" type="twoObjAndObj" preserve="1">
   <p:cSld name="Title, 2 Content and Content">
     <p:spTree>
       <p:nvGrpSpPr>
@@ -1643,14 +1805,15 @@
           </a:ln>
         </p:spPr>
         <p:txBody>
-          <a:bodyPr lIns="0" rIns="0" tIns="0" bIns="0" anchor="ctr">
+          <a:bodyPr lIns="0" tIns="0" rIns="0" bIns="0" anchor="ctr">
             <a:noAutofit/>
           </a:bodyPr>
+          <a:lstStyle/>
           <a:p>
             <a:pPr algn="ctr">
               <a:buNone/>
             </a:pPr>
-            <a:endParaRPr b="0" lang="ru-RU" sz="4400" spc="-1" strike="noStrike">
+            <a:endParaRPr lang="ru-RU" sz="4400" b="0" strike="noStrike" spc="-1">
               <a:latin typeface="Arial"/>
             </a:endParaRPr>
           </a:p>
@@ -1680,11 +1843,12 @@
           </a:ln>
         </p:spPr>
         <p:txBody>
-          <a:bodyPr lIns="0" rIns="0" tIns="0" bIns="0" anchor="t">
+          <a:bodyPr lIns="0" tIns="0" rIns="0" bIns="0" anchor="t">
             <a:normAutofit/>
           </a:bodyPr>
-          <a:p>
-            <a:endParaRPr b="0" lang="ru-RU" sz="3200" spc="-1" strike="noStrike">
+          <a:lstStyle/>
+          <a:p>
+            <a:endParaRPr lang="ru-RU" sz="3200" b="0" strike="noStrike" spc="-1">
               <a:latin typeface="Arial"/>
             </a:endParaRPr>
           </a:p>
@@ -1714,11 +1878,12 @@
           </a:ln>
         </p:spPr>
         <p:txBody>
-          <a:bodyPr lIns="0" rIns="0" tIns="0" bIns="0" anchor="t">
+          <a:bodyPr lIns="0" tIns="0" rIns="0" bIns="0" anchor="t">
             <a:normAutofit/>
           </a:bodyPr>
-          <a:p>
-            <a:endParaRPr b="0" lang="ru-RU" sz="3200" spc="-1" strike="noStrike">
+          <a:lstStyle/>
+          <a:p>
+            <a:endParaRPr lang="ru-RU" sz="3200" b="0" strike="noStrike" spc="-1">
               <a:latin typeface="Arial"/>
             </a:endParaRPr>
           </a:p>
@@ -1748,11 +1913,12 @@
           </a:ln>
         </p:spPr>
         <p:txBody>
-          <a:bodyPr lIns="0" rIns="0" tIns="0" bIns="0" anchor="t">
+          <a:bodyPr lIns="0" tIns="0" rIns="0" bIns="0" anchor="t">
             <a:normAutofit/>
           </a:bodyPr>
-          <a:p>
-            <a:endParaRPr b="0" lang="ru-RU" sz="3200" spc="-1" strike="noStrike">
+          <a:lstStyle/>
+          <a:p>
+            <a:endParaRPr lang="ru-RU" sz="3200" b="0" strike="noStrike" spc="-1">
               <a:latin typeface="Arial"/>
             </a:endParaRPr>
           </a:p>
@@ -1771,6 +1937,7 @@
         <p:spPr/>
         <p:txBody>
           <a:bodyPr/>
+          <a:lstStyle/>
           <a:p>
             <a:r>
               <a:t>Footer</a:t>
@@ -1791,10 +1958,12 @@
         <p:spPr/>
         <p:txBody>
           <a:bodyPr/>
+          <a:lstStyle/>
           <a:p>
             <a:fld id="{3565994C-AC75-405C-8749-58A91C15476F}" type="slidenum">
-              <a:t>&lt;#&gt;</a:t>
+              <a:t>‹#›</a:t>
             </a:fld>
+            <a:endParaRPr/>
           </a:p>
         </p:txBody>
       </p:sp>
@@ -1811,21 +1980,22 @@
         <p:spPr/>
         <p:txBody>
           <a:bodyPr/>
-          <a:p>
-            <a:r>
-              <a:rPr lang="ru-RU"/>
-              <a:t/>
-            </a:r>
+          <a:lstStyle/>
+          <a:p>
+            <a:endParaRPr/>
           </a:p>
         </p:txBody>
       </p:sp>
     </p:spTree>
   </p:cSld>
+  <p:clrMapOvr>
+    <a:masterClrMapping/>
+  </p:clrMapOvr>
 </p:sldLayout>
 </file>
 
 <file path=ppt/slideLayouts/slideLayout8.xml><?xml version="1.0" encoding="utf-8"?>
-<p:sldLayout xmlns:a="http://schemas.openxmlformats.org/drawingml/2006/main" xmlns:p="http://schemas.openxmlformats.org/presentationml/2006/main" xmlns:r="http://schemas.openxmlformats.org/officeDocument/2006/relationships" xmlns:p14="http://schemas.microsoft.com/office/powerpoint/2010/main" xmlns:p15="http://schemas.microsoft.com/office/powerpoint/2012/main" xmlns:mc="http://schemas.openxmlformats.org/markup-compatibility/2006" type="objAndTwoObj" preserve="1">
+<p:sldLayout xmlns:a="http://schemas.openxmlformats.org/drawingml/2006/main" xmlns:r="http://schemas.openxmlformats.org/officeDocument/2006/relationships" xmlns:p="http://schemas.openxmlformats.org/presentationml/2006/main" type="objAndTwoObj" preserve="1">
   <p:cSld name="Title Content and 2 Content">
     <p:spTree>
       <p:nvGrpSpPr>
@@ -1865,14 +2035,15 @@
           </a:ln>
         </p:spPr>
         <p:txBody>
-          <a:bodyPr lIns="0" rIns="0" tIns="0" bIns="0" anchor="ctr">
+          <a:bodyPr lIns="0" tIns="0" rIns="0" bIns="0" anchor="ctr">
             <a:noAutofit/>
           </a:bodyPr>
+          <a:lstStyle/>
           <a:p>
             <a:pPr algn="ctr">
               <a:buNone/>
             </a:pPr>
-            <a:endParaRPr b="0" lang="ru-RU" sz="4400" spc="-1" strike="noStrike">
+            <a:endParaRPr lang="ru-RU" sz="4400" b="0" strike="noStrike" spc="-1">
               <a:latin typeface="Arial"/>
             </a:endParaRPr>
           </a:p>
@@ -1902,11 +2073,12 @@
           </a:ln>
         </p:spPr>
         <p:txBody>
-          <a:bodyPr lIns="0" rIns="0" tIns="0" bIns="0" anchor="t">
+          <a:bodyPr lIns="0" tIns="0" rIns="0" bIns="0" anchor="t">
             <a:normAutofit/>
           </a:bodyPr>
-          <a:p>
-            <a:endParaRPr b="0" lang="ru-RU" sz="3200" spc="-1" strike="noStrike">
+          <a:lstStyle/>
+          <a:p>
+            <a:endParaRPr lang="ru-RU" sz="3200" b="0" strike="noStrike" spc="-1">
               <a:latin typeface="Arial"/>
             </a:endParaRPr>
           </a:p>
@@ -1936,11 +2108,12 @@
           </a:ln>
         </p:spPr>
         <p:txBody>
-          <a:bodyPr lIns="0" rIns="0" tIns="0" bIns="0" anchor="t">
+          <a:bodyPr lIns="0" tIns="0" rIns="0" bIns="0" anchor="t">
             <a:normAutofit/>
           </a:bodyPr>
-          <a:p>
-            <a:endParaRPr b="0" lang="ru-RU" sz="3200" spc="-1" strike="noStrike">
+          <a:lstStyle/>
+          <a:p>
+            <a:endParaRPr lang="ru-RU" sz="3200" b="0" strike="noStrike" spc="-1">
               <a:latin typeface="Arial"/>
             </a:endParaRPr>
           </a:p>
@@ -1970,11 +2143,12 @@
           </a:ln>
         </p:spPr>
         <p:txBody>
-          <a:bodyPr lIns="0" rIns="0" tIns="0" bIns="0" anchor="t">
+          <a:bodyPr lIns="0" tIns="0" rIns="0" bIns="0" anchor="t">
             <a:normAutofit/>
           </a:bodyPr>
-          <a:p>
-            <a:endParaRPr b="0" lang="ru-RU" sz="3200" spc="-1" strike="noStrike">
+          <a:lstStyle/>
+          <a:p>
+            <a:endParaRPr lang="ru-RU" sz="3200" b="0" strike="noStrike" spc="-1">
               <a:latin typeface="Arial"/>
             </a:endParaRPr>
           </a:p>
@@ -1993,6 +2167,7 @@
         <p:spPr/>
         <p:txBody>
           <a:bodyPr/>
+          <a:lstStyle/>
           <a:p>
             <a:r>
               <a:t>Footer</a:t>
@@ -2013,10 +2188,12 @@
         <p:spPr/>
         <p:txBody>
           <a:bodyPr/>
+          <a:lstStyle/>
           <a:p>
             <a:fld id="{C4454731-F6A6-4752-9862-B29663499218}" type="slidenum">
-              <a:t>&lt;#&gt;</a:t>
+              <a:t>‹#›</a:t>
             </a:fld>
+            <a:endParaRPr/>
           </a:p>
         </p:txBody>
       </p:sp>
@@ -2033,21 +2210,22 @@
         <p:spPr/>
         <p:txBody>
           <a:bodyPr/>
-          <a:p>
-            <a:r>
-              <a:rPr lang="ru-RU"/>
-              <a:t/>
-            </a:r>
+          <a:lstStyle/>
+          <a:p>
+            <a:endParaRPr/>
           </a:p>
         </p:txBody>
       </p:sp>
     </p:spTree>
   </p:cSld>
+  <p:clrMapOvr>
+    <a:masterClrMapping/>
+  </p:clrMapOvr>
 </p:sldLayout>
 </file>
 
 <file path=ppt/slideLayouts/slideLayout9.xml><?xml version="1.0" encoding="utf-8"?>
-<p:sldLayout xmlns:a="http://schemas.openxmlformats.org/drawingml/2006/main" xmlns:p="http://schemas.openxmlformats.org/presentationml/2006/main" xmlns:r="http://schemas.openxmlformats.org/officeDocument/2006/relationships" xmlns:p14="http://schemas.microsoft.com/office/powerpoint/2010/main" xmlns:p15="http://schemas.microsoft.com/office/powerpoint/2012/main" xmlns:mc="http://schemas.openxmlformats.org/markup-compatibility/2006" type="twoObjOverTx" preserve="1">
+<p:sldLayout xmlns:a="http://schemas.openxmlformats.org/drawingml/2006/main" xmlns:r="http://schemas.openxmlformats.org/officeDocument/2006/relationships" xmlns:p="http://schemas.openxmlformats.org/presentationml/2006/main" type="twoObjOverTx" preserve="1">
   <p:cSld name="Title, 2 Content over Content">
     <p:spTree>
       <p:nvGrpSpPr>
@@ -2087,14 +2265,15 @@
           </a:ln>
         </p:spPr>
         <p:txBody>
-          <a:bodyPr lIns="0" rIns="0" tIns="0" bIns="0" anchor="ctr">
+          <a:bodyPr lIns="0" tIns="0" rIns="0" bIns="0" anchor="ctr">
             <a:noAutofit/>
           </a:bodyPr>
+          <a:lstStyle/>
           <a:p>
             <a:pPr algn="ctr">
               <a:buNone/>
             </a:pPr>
-            <a:endParaRPr b="0" lang="ru-RU" sz="4400" spc="-1" strike="noStrike">
+            <a:endParaRPr lang="ru-RU" sz="4400" b="0" strike="noStrike" spc="-1">
               <a:latin typeface="Arial"/>
             </a:endParaRPr>
           </a:p>
@@ -2124,11 +2303,12 @@
           </a:ln>
         </p:spPr>
         <p:txBody>
-          <a:bodyPr lIns="0" rIns="0" tIns="0" bIns="0" anchor="t">
+          <a:bodyPr lIns="0" tIns="0" rIns="0" bIns="0" anchor="t">
             <a:normAutofit/>
           </a:bodyPr>
-          <a:p>
-            <a:endParaRPr b="0" lang="ru-RU" sz="3200" spc="-1" strike="noStrike">
+          <a:lstStyle/>
+          <a:p>
+            <a:endParaRPr lang="ru-RU" sz="3200" b="0" strike="noStrike" spc="-1">
               <a:latin typeface="Arial"/>
             </a:endParaRPr>
           </a:p>
@@ -2158,11 +2338,12 @@
           </a:ln>
         </p:spPr>
         <p:txBody>
-          <a:bodyPr lIns="0" rIns="0" tIns="0" bIns="0" anchor="t">
+          <a:bodyPr lIns="0" tIns="0" rIns="0" bIns="0" anchor="t">
             <a:normAutofit/>
           </a:bodyPr>
-          <a:p>
-            <a:endParaRPr b="0" lang="ru-RU" sz="3200" spc="-1" strike="noStrike">
+          <a:lstStyle/>
+          <a:p>
+            <a:endParaRPr lang="ru-RU" sz="3200" b="0" strike="noStrike" spc="-1">
               <a:latin typeface="Arial"/>
             </a:endParaRPr>
           </a:p>
@@ -2192,11 +2373,12 @@
           </a:ln>
         </p:spPr>
         <p:txBody>
-          <a:bodyPr lIns="0" rIns="0" tIns="0" bIns="0" anchor="t">
+          <a:bodyPr lIns="0" tIns="0" rIns="0" bIns="0" anchor="t">
             <a:normAutofit/>
           </a:bodyPr>
-          <a:p>
-            <a:endParaRPr b="0" lang="ru-RU" sz="3200" spc="-1" strike="noStrike">
+          <a:lstStyle/>
+          <a:p>
+            <a:endParaRPr lang="ru-RU" sz="3200" b="0" strike="noStrike" spc="-1">
               <a:latin typeface="Arial"/>
             </a:endParaRPr>
           </a:p>
@@ -2215,6 +2397,7 @@
         <p:spPr/>
         <p:txBody>
           <a:bodyPr/>
+          <a:lstStyle/>
           <a:p>
             <a:r>
               <a:t>Footer</a:t>
@@ -2235,10 +2418,12 @@
         <p:spPr/>
         <p:txBody>
           <a:bodyPr/>
+          <a:lstStyle/>
           <a:p>
             <a:fld id="{5E045AA3-644B-4DEF-AD5B-3F1354AB625E}" type="slidenum">
-              <a:t>&lt;#&gt;</a:t>
+              <a:t>‹#›</a:t>
             </a:fld>
+            <a:endParaRPr/>
           </a:p>
         </p:txBody>
       </p:sp>
@@ -2255,21 +2440,691 @@
         <p:spPr/>
         <p:txBody>
           <a:bodyPr/>
-          <a:p>
-            <a:r>
-              <a:rPr lang="ru-RU"/>
-              <a:t/>
-            </a:r>
+          <a:lstStyle/>
+          <a:p>
+            <a:endParaRPr/>
           </a:p>
         </p:txBody>
       </p:sp>
     </p:spTree>
   </p:cSld>
+  <p:clrMapOvr>
+    <a:masterClrMapping/>
+  </p:clrMapOvr>
 </p:sldLayout>
 </file>
 
 <file path=ppt/slideMasters/slideMaster1.xml><?xml version="1.0" encoding="utf-8"?>
-<p:sldMaster xmlns:a="http://schemas.openxmlformats.org/drawingml/2006/main" xmlns:p="http://schemas.openxmlformats.org/presentationml/2006/main" xmlns:r="http://schemas.openxmlformats.org/officeDocument/2006/relationships" xmlns:p14="http://schemas.microsoft.com/office/powerpoint/2010/main" xmlns:p15="http://schemas.microsoft.com/office/powerpoint/2012/main" xmlns:mc="http://schemas.openxmlformats.org/markup-compatibility/2006">
+<p:sldMaster xmlns:a="http://schemas.openxmlformats.org/drawingml/2006/main" xmlns:r="http://schemas.openxmlformats.org/officeDocument/2006/relationships" xmlns:p="http://schemas.openxmlformats.org/presentationml/2006/main">
+  <p:cSld>
+    <p:bg>
+      <p:bgRef idx="1001">
+        <a:schemeClr val="bg1"/>
+      </p:bgRef>
+    </p:bg>
+    <p:spTree>
+      <p:nvGrpSpPr>
+        <p:cNvPr id="1" name=""/>
+        <p:cNvGrpSpPr/>
+        <p:nvPr/>
+      </p:nvGrpSpPr>
+      <p:grpSpPr>
+        <a:xfrm>
+          <a:off x="0" y="0"/>
+          <a:ext cx="0" cy="0"/>
+          <a:chOff x="0" y="0"/>
+          <a:chExt cx="0" cy="0"/>
+        </a:xfrm>
+      </p:grpSpPr>
+      <p:sp>
+        <p:nvSpPr>
+          <p:cNvPr id="5" name="PlaceHolder 1"/>
+          <p:cNvSpPr>
+            <a:spLocks noGrp="1"/>
+          </p:cNvSpPr>
+          <p:nvPr>
+            <p:ph type="title"/>
+          </p:nvPr>
+        </p:nvSpPr>
+        <p:spPr>
+          <a:xfrm>
+            <a:off x="504000" y="226080"/>
+            <a:ext cx="9071640" cy="946440"/>
+          </a:xfrm>
+          <a:prstGeom prst="rect">
+            <a:avLst/>
+          </a:prstGeom>
+          <a:noFill/>
+          <a:ln w="0">
+            <a:noFill/>
+          </a:ln>
+        </p:spPr>
+        <p:txBody>
+          <a:bodyPr lIns="0" tIns="0" rIns="0" bIns="0" anchor="ctr">
+            <a:noAutofit/>
+          </a:bodyPr>
+          <a:lstStyle/>
+          <a:p>
+            <a:pPr algn="ctr">
+              <a:buNone/>
+            </a:pPr>
+            <a:r>
+              <a:rPr lang="ru-RU" sz="4400" b="0" strike="noStrike" spc="-1">
+                <a:latin typeface="Arial"/>
+              </a:rPr>
+              <a:t>Для правки текста заглавия щёлкните мышью</a:t>
+            </a:r>
+          </a:p>
+        </p:txBody>
+      </p:sp>
+      <p:sp>
+        <p:nvSpPr>
+          <p:cNvPr id="6" name="PlaceHolder 2"/>
+          <p:cNvSpPr>
+            <a:spLocks noGrp="1"/>
+          </p:cNvSpPr>
+          <p:nvPr>
+            <p:ph type="body"/>
+          </p:nvPr>
+        </p:nvSpPr>
+        <p:spPr>
+          <a:xfrm>
+            <a:off x="504000" y="1326600"/>
+            <a:ext cx="9071640" cy="3288240"/>
+          </a:xfrm>
+          <a:prstGeom prst="rect">
+            <a:avLst/>
+          </a:prstGeom>
+          <a:noFill/>
+          <a:ln w="0">
+            <a:noFill/>
+          </a:ln>
+        </p:spPr>
+        <p:txBody>
+          <a:bodyPr lIns="0" tIns="0" rIns="0" bIns="0" anchor="t">
+            <a:normAutofit/>
+          </a:bodyPr>
+          <a:lstStyle/>
+          <a:p>
+            <a:pPr marL="432000" indent="-324000">
+              <a:spcBef>
+                <a:spcPts val="1417"/>
+              </a:spcBef>
+              <a:buClr>
+                <a:srgbClr val="000000"/>
+              </a:buClr>
+              <a:buSzPct val="45000"/>
+              <a:buFont typeface="Wingdings" charset="2"/>
+              <a:buChar char=""/>
+            </a:pPr>
+            <a:r>
+              <a:rPr lang="ru-RU" sz="3200" b="0" strike="noStrike" spc="-1">
+                <a:latin typeface="Arial"/>
+              </a:rPr>
+              <a:t>Для правки структуры щёлкните мышью</a:t>
+            </a:r>
+          </a:p>
+          <a:p>
+            <a:pPr marL="864000" lvl="1" indent="-324000">
+              <a:spcBef>
+                <a:spcPts val="1134"/>
+              </a:spcBef>
+              <a:buClr>
+                <a:srgbClr val="000000"/>
+              </a:buClr>
+              <a:buSzPct val="75000"/>
+              <a:buFont typeface="Symbol" charset="2"/>
+              <a:buChar char=""/>
+            </a:pPr>
+            <a:r>
+              <a:rPr lang="ru-RU" sz="2800" b="0" strike="noStrike" spc="-1">
+                <a:latin typeface="Arial"/>
+              </a:rPr>
+              <a:t>Второй уровень структуры</a:t>
+            </a:r>
+          </a:p>
+          <a:p>
+            <a:pPr marL="1296000" lvl="2" indent="-288000">
+              <a:spcBef>
+                <a:spcPts val="850"/>
+              </a:spcBef>
+              <a:buClr>
+                <a:srgbClr val="000000"/>
+              </a:buClr>
+              <a:buSzPct val="45000"/>
+              <a:buFont typeface="Wingdings" charset="2"/>
+              <a:buChar char=""/>
+            </a:pPr>
+            <a:r>
+              <a:rPr lang="ru-RU" sz="2400" b="0" strike="noStrike" spc="-1">
+                <a:latin typeface="Arial"/>
+              </a:rPr>
+              <a:t>Третий уровень структуры</a:t>
+            </a:r>
+          </a:p>
+          <a:p>
+            <a:pPr marL="1728000" lvl="3" indent="-216000">
+              <a:spcBef>
+                <a:spcPts val="567"/>
+              </a:spcBef>
+              <a:buClr>
+                <a:srgbClr val="000000"/>
+              </a:buClr>
+              <a:buSzPct val="75000"/>
+              <a:buFont typeface="Symbol" charset="2"/>
+              <a:buChar char=""/>
+            </a:pPr>
+            <a:r>
+              <a:rPr lang="ru-RU" sz="2000" b="0" strike="noStrike" spc="-1">
+                <a:latin typeface="Arial"/>
+              </a:rPr>
+              <a:t>Четвёртый уровень структуры</a:t>
+            </a:r>
+          </a:p>
+          <a:p>
+            <a:pPr marL="2160000" lvl="4" indent="-216000">
+              <a:spcBef>
+                <a:spcPts val="283"/>
+              </a:spcBef>
+              <a:buClr>
+                <a:srgbClr val="000000"/>
+              </a:buClr>
+              <a:buSzPct val="45000"/>
+              <a:buFont typeface="Wingdings" charset="2"/>
+              <a:buChar char=""/>
+            </a:pPr>
+            <a:r>
+              <a:rPr lang="ru-RU" sz="2000" b="0" strike="noStrike" spc="-1">
+                <a:latin typeface="Arial"/>
+              </a:rPr>
+              <a:t>Пятый уровень структуры</a:t>
+            </a:r>
+          </a:p>
+          <a:p>
+            <a:pPr marL="2592000" lvl="5" indent="-216000">
+              <a:spcBef>
+                <a:spcPts val="283"/>
+              </a:spcBef>
+              <a:buClr>
+                <a:srgbClr val="000000"/>
+              </a:buClr>
+              <a:buSzPct val="45000"/>
+              <a:buFont typeface="Wingdings" charset="2"/>
+              <a:buChar char=""/>
+            </a:pPr>
+            <a:r>
+              <a:rPr lang="ru-RU" sz="2000" b="0" strike="noStrike" spc="-1">
+                <a:latin typeface="Arial"/>
+              </a:rPr>
+              <a:t>Шестой уровень структуры</a:t>
+            </a:r>
+          </a:p>
+          <a:p>
+            <a:pPr marL="3024000" lvl="6" indent="-216000">
+              <a:spcBef>
+                <a:spcPts val="283"/>
+              </a:spcBef>
+              <a:buClr>
+                <a:srgbClr val="000000"/>
+              </a:buClr>
+              <a:buSzPct val="45000"/>
+              <a:buFont typeface="Wingdings" charset="2"/>
+              <a:buChar char=""/>
+            </a:pPr>
+            <a:r>
+              <a:rPr lang="ru-RU" sz="2000" b="0" strike="noStrike" spc="-1">
+                <a:latin typeface="Arial"/>
+              </a:rPr>
+              <a:t>Седьмой уровень структуры</a:t>
+            </a:r>
+          </a:p>
+        </p:txBody>
+      </p:sp>
+      <p:sp>
+        <p:nvSpPr>
+          <p:cNvPr id="2" name="PlaceHolder 3"/>
+          <p:cNvSpPr>
+            <a:spLocks noGrp="1"/>
+          </p:cNvSpPr>
+          <p:nvPr>
+            <p:ph type="dt" idx="1"/>
+          </p:nvPr>
+        </p:nvSpPr>
+        <p:spPr>
+          <a:xfrm>
+            <a:off x="504000" y="5165280"/>
+            <a:ext cx="2348280" cy="390600"/>
+          </a:xfrm>
+          <a:prstGeom prst="rect">
+            <a:avLst/>
+          </a:prstGeom>
+          <a:noFill/>
+          <a:ln w="0">
+            <a:noFill/>
+          </a:ln>
+        </p:spPr>
+        <p:txBody>
+          <a:bodyPr lIns="0" tIns="0" rIns="0" bIns="0" anchor="t">
+            <a:noAutofit/>
+          </a:bodyPr>
+          <a:lstStyle>
+            <a:lvl1pPr>
+              <a:defRPr lang="ru-RU" sz="1400" b="0" strike="noStrike" spc="-1">
+                <a:latin typeface="Times New Roman"/>
+              </a:defRPr>
+            </a:lvl1pPr>
+          </a:lstStyle>
+          <a:p>
+            <a:r>
+              <a:rPr lang="ru-RU" sz="1400" b="0" strike="noStrike" spc="-1">
+                <a:latin typeface="Times New Roman"/>
+              </a:rPr>
+              <a:t>&lt;дата/время&gt;</a:t>
+            </a:r>
+          </a:p>
+        </p:txBody>
+      </p:sp>
+      <p:sp>
+        <p:nvSpPr>
+          <p:cNvPr id="3" name="PlaceHolder 4"/>
+          <p:cNvSpPr>
+            <a:spLocks noGrp="1"/>
+          </p:cNvSpPr>
+          <p:nvPr>
+            <p:ph type="ftr" idx="2"/>
+          </p:nvPr>
+        </p:nvSpPr>
+        <p:spPr>
+          <a:xfrm>
+            <a:off x="3447360" y="5165280"/>
+            <a:ext cx="3195000" cy="390600"/>
+          </a:xfrm>
+          <a:prstGeom prst="rect">
+            <a:avLst/>
+          </a:prstGeom>
+          <a:noFill/>
+          <a:ln w="0">
+            <a:noFill/>
+          </a:ln>
+        </p:spPr>
+        <p:txBody>
+          <a:bodyPr lIns="0" tIns="0" rIns="0" bIns="0" anchor="t">
+            <a:noAutofit/>
+          </a:bodyPr>
+          <a:lstStyle>
+            <a:lvl1pPr algn="ctr">
+              <a:buNone/>
+              <a:defRPr lang="ru-RU" sz="1400" b="0" strike="noStrike" spc="-1">
+                <a:latin typeface="Times New Roman"/>
+              </a:defRPr>
+            </a:lvl1pPr>
+          </a:lstStyle>
+          <a:p>
+            <a:pPr algn="ctr">
+              <a:buNone/>
+            </a:pPr>
+            <a:r>
+              <a:rPr lang="ru-RU" sz="1400" b="0" strike="noStrike" spc="-1">
+                <a:latin typeface="Times New Roman"/>
+              </a:rPr>
+              <a:t>&lt;нижний колонтитул&gt;</a:t>
+            </a:r>
+          </a:p>
+        </p:txBody>
+      </p:sp>
+      <p:sp>
+        <p:nvSpPr>
+          <p:cNvPr id="4" name="PlaceHolder 5"/>
+          <p:cNvSpPr>
+            <a:spLocks noGrp="1"/>
+          </p:cNvSpPr>
+          <p:nvPr>
+            <p:ph type="sldNum" idx="3"/>
+          </p:nvPr>
+        </p:nvSpPr>
+        <p:spPr>
+          <a:xfrm>
+            <a:off x="7227360" y="5165280"/>
+            <a:ext cx="2348280" cy="390600"/>
+          </a:xfrm>
+          <a:prstGeom prst="rect">
+            <a:avLst/>
+          </a:prstGeom>
+          <a:noFill/>
+          <a:ln w="0">
+            <a:noFill/>
+          </a:ln>
+        </p:spPr>
+        <p:txBody>
+          <a:bodyPr lIns="0" tIns="0" rIns="0" bIns="0" anchor="t">
+            <a:noAutofit/>
+          </a:bodyPr>
+          <a:lstStyle>
+            <a:lvl1pPr algn="r">
+              <a:buNone/>
+              <a:defRPr lang="ru-RU" sz="1400" b="0" strike="noStrike" spc="-1">
+                <a:latin typeface="Times New Roman"/>
+              </a:defRPr>
+            </a:lvl1pPr>
+          </a:lstStyle>
+          <a:p>
+            <a:pPr algn="r">
+              <a:buNone/>
+            </a:pPr>
+            <a:fld id="{9BCB737B-4471-4B8E-9BED-40A68167B3F2}" type="slidenum">
+              <a:rPr lang="ru-RU" sz="1400" b="0" strike="noStrike" spc="-1">
+                <a:latin typeface="Times New Roman"/>
+              </a:rPr>
+              <a:t>‹#›</a:t>
+            </a:fld>
+            <a:endParaRPr lang="ru-RU" sz="1400" b="0" strike="noStrike" spc="-1">
+              <a:latin typeface="Times New Roman"/>
+            </a:endParaRPr>
+          </a:p>
+        </p:txBody>
+      </p:sp>
+    </p:spTree>
+  </p:cSld>
+  <p:clrMap bg1="lt1" tx1="dk1" bg2="lt2" tx2="dk2" accent1="accent1" accent2="accent2" accent3="accent3" accent4="accent4" accent5="accent5" accent6="accent6" hlink="hlink" folHlink="folHlink"/>
+  <p:sldLayoutIdLst>
+    <p:sldLayoutId id="2147483649" r:id="rId1"/>
+    <p:sldLayoutId id="2147483650" r:id="rId2"/>
+    <p:sldLayoutId id="2147483651" r:id="rId3"/>
+    <p:sldLayoutId id="2147483652" r:id="rId4"/>
+    <p:sldLayoutId id="2147483653" r:id="rId5"/>
+    <p:sldLayoutId id="2147483654" r:id="rId6"/>
+    <p:sldLayoutId id="2147483655" r:id="rId7"/>
+    <p:sldLayoutId id="2147483656" r:id="rId8"/>
+    <p:sldLayoutId id="2147483657" r:id="rId9"/>
+    <p:sldLayoutId id="2147483658" r:id="rId10"/>
+    <p:sldLayoutId id="2147483659" r:id="rId11"/>
+    <p:sldLayoutId id="2147483660" r:id="rId12"/>
+  </p:sldLayoutIdLst>
+  <p:txStyles>
+    <p:titleStyle>
+      <a:lvl1pPr algn="l" defTabSz="914400" rtl="0" eaLnBrk="1" latinLnBrk="0" hangingPunct="1">
+        <a:lnSpc>
+          <a:spcPct val="90000"/>
+        </a:lnSpc>
+        <a:spcBef>
+          <a:spcPct val="0"/>
+        </a:spcBef>
+        <a:buNone/>
+        <a:defRPr sz="4400" kern="1200">
+          <a:solidFill>
+            <a:schemeClr val="tx1"/>
+          </a:solidFill>
+          <a:latin typeface="+mj-lt"/>
+          <a:ea typeface="+mj-ea"/>
+          <a:cs typeface="+mj-cs"/>
+        </a:defRPr>
+      </a:lvl1pPr>
+    </p:titleStyle>
+    <p:bodyStyle>
+      <a:lvl1pPr marL="228600" indent="-228600" algn="l" defTabSz="914400" rtl="0" eaLnBrk="1" latinLnBrk="0" hangingPunct="1">
+        <a:lnSpc>
+          <a:spcPct val="90000"/>
+        </a:lnSpc>
+        <a:spcBef>
+          <a:spcPts val="1000"/>
+        </a:spcBef>
+        <a:buFont typeface="Arial" panose="020B0604020202020204" pitchFamily="34" charset="0"/>
+        <a:buChar char="•"/>
+        <a:defRPr sz="2800" kern="1200">
+          <a:solidFill>
+            <a:schemeClr val="tx1"/>
+          </a:solidFill>
+          <a:latin typeface="+mn-lt"/>
+          <a:ea typeface="+mn-ea"/>
+          <a:cs typeface="+mn-cs"/>
+        </a:defRPr>
+      </a:lvl1pPr>
+      <a:lvl2pPr marL="685800" indent="-228600" algn="l" defTabSz="914400" rtl="0" eaLnBrk="1" latinLnBrk="0" hangingPunct="1">
+        <a:lnSpc>
+          <a:spcPct val="90000"/>
+        </a:lnSpc>
+        <a:spcBef>
+          <a:spcPts val="500"/>
+        </a:spcBef>
+        <a:buFont typeface="Arial" panose="020B0604020202020204" pitchFamily="34" charset="0"/>
+        <a:buChar char="•"/>
+        <a:defRPr sz="2400" kern="1200">
+          <a:solidFill>
+            <a:schemeClr val="tx1"/>
+          </a:solidFill>
+          <a:latin typeface="+mn-lt"/>
+          <a:ea typeface="+mn-ea"/>
+          <a:cs typeface="+mn-cs"/>
+        </a:defRPr>
+      </a:lvl2pPr>
+      <a:lvl3pPr marL="1143000" indent="-228600" algn="l" defTabSz="914400" rtl="0" eaLnBrk="1" latinLnBrk="0" hangingPunct="1">
+        <a:lnSpc>
+          <a:spcPct val="90000"/>
+        </a:lnSpc>
+        <a:spcBef>
+          <a:spcPts val="500"/>
+        </a:spcBef>
+        <a:buFont typeface="Arial" panose="020B0604020202020204" pitchFamily="34" charset="0"/>
+        <a:buChar char="•"/>
+        <a:defRPr sz="2000" kern="1200">
+          <a:solidFill>
+            <a:schemeClr val="tx1"/>
+          </a:solidFill>
+          <a:latin typeface="+mn-lt"/>
+          <a:ea typeface="+mn-ea"/>
+          <a:cs typeface="+mn-cs"/>
+        </a:defRPr>
+      </a:lvl3pPr>
+      <a:lvl4pPr marL="1600200" indent="-228600" algn="l" defTabSz="914400" rtl="0" eaLnBrk="1" latinLnBrk="0" hangingPunct="1">
+        <a:lnSpc>
+          <a:spcPct val="90000"/>
+        </a:lnSpc>
+        <a:spcBef>
+          <a:spcPts val="500"/>
+        </a:spcBef>
+        <a:buFont typeface="Arial" panose="020B0604020202020204" pitchFamily="34" charset="0"/>
+        <a:buChar char="•"/>
+        <a:defRPr sz="1800" kern="1200">
+          <a:solidFill>
+            <a:schemeClr val="tx1"/>
+          </a:solidFill>
+          <a:latin typeface="+mn-lt"/>
+          <a:ea typeface="+mn-ea"/>
+          <a:cs typeface="+mn-cs"/>
+        </a:defRPr>
+      </a:lvl4pPr>
+      <a:lvl5pPr marL="2057400" indent="-228600" algn="l" defTabSz="914400" rtl="0" eaLnBrk="1" latinLnBrk="0" hangingPunct="1">
+        <a:lnSpc>
+          <a:spcPct val="90000"/>
+        </a:lnSpc>
+        <a:spcBef>
+          <a:spcPts val="500"/>
+        </a:spcBef>
+        <a:buFont typeface="Arial" panose="020B0604020202020204" pitchFamily="34" charset="0"/>
+        <a:buChar char="•"/>
+        <a:defRPr sz="1800" kern="1200">
+          <a:solidFill>
+            <a:schemeClr val="tx1"/>
+          </a:solidFill>
+          <a:latin typeface="+mn-lt"/>
+          <a:ea typeface="+mn-ea"/>
+          <a:cs typeface="+mn-cs"/>
+        </a:defRPr>
+      </a:lvl5pPr>
+      <a:lvl6pPr marL="2514600" indent="-228600" algn="l" defTabSz="914400" rtl="0" eaLnBrk="1" latinLnBrk="0" hangingPunct="1">
+        <a:lnSpc>
+          <a:spcPct val="90000"/>
+        </a:lnSpc>
+        <a:spcBef>
+          <a:spcPts val="500"/>
+        </a:spcBef>
+        <a:buFont typeface="Arial" panose="020B0604020202020204" pitchFamily="34" charset="0"/>
+        <a:buChar char="•"/>
+        <a:defRPr sz="1800" kern="1200">
+          <a:solidFill>
+            <a:schemeClr val="tx1"/>
+          </a:solidFill>
+          <a:latin typeface="+mn-lt"/>
+          <a:ea typeface="+mn-ea"/>
+          <a:cs typeface="+mn-cs"/>
+        </a:defRPr>
+      </a:lvl6pPr>
+      <a:lvl7pPr marL="2971800" indent="-228600" algn="l" defTabSz="914400" rtl="0" eaLnBrk="1" latinLnBrk="0" hangingPunct="1">
+        <a:lnSpc>
+          <a:spcPct val="90000"/>
+        </a:lnSpc>
+        <a:spcBef>
+          <a:spcPts val="500"/>
+        </a:spcBef>
+        <a:buFont typeface="Arial" panose="020B0604020202020204" pitchFamily="34" charset="0"/>
+        <a:buChar char="•"/>
+        <a:defRPr sz="1800" kern="1200">
+          <a:solidFill>
+            <a:schemeClr val="tx1"/>
+          </a:solidFill>
+          <a:latin typeface="+mn-lt"/>
+          <a:ea typeface="+mn-ea"/>
+          <a:cs typeface="+mn-cs"/>
+        </a:defRPr>
+      </a:lvl7pPr>
+      <a:lvl8pPr marL="3429000" indent="-228600" algn="l" defTabSz="914400" rtl="0" eaLnBrk="1" latinLnBrk="0" hangingPunct="1">
+        <a:lnSpc>
+          <a:spcPct val="90000"/>
+        </a:lnSpc>
+        <a:spcBef>
+          <a:spcPts val="500"/>
+        </a:spcBef>
+        <a:buFont typeface="Arial" panose="020B0604020202020204" pitchFamily="34" charset="0"/>
+        <a:buChar char="•"/>
+        <a:defRPr sz="1800" kern="1200">
+          <a:solidFill>
+            <a:schemeClr val="tx1"/>
+          </a:solidFill>
+          <a:latin typeface="+mn-lt"/>
+          <a:ea typeface="+mn-ea"/>
+          <a:cs typeface="+mn-cs"/>
+        </a:defRPr>
+      </a:lvl8pPr>
+      <a:lvl9pPr marL="3886200" indent="-228600" algn="l" defTabSz="914400" rtl="0" eaLnBrk="1" latinLnBrk="0" hangingPunct="1">
+        <a:lnSpc>
+          <a:spcPct val="90000"/>
+        </a:lnSpc>
+        <a:spcBef>
+          <a:spcPts val="500"/>
+        </a:spcBef>
+        <a:buFont typeface="Arial" panose="020B0604020202020204" pitchFamily="34" charset="0"/>
+        <a:buChar char="•"/>
+        <a:defRPr sz="1800" kern="1200">
+          <a:solidFill>
+            <a:schemeClr val="tx1"/>
+          </a:solidFill>
+          <a:latin typeface="+mn-lt"/>
+          <a:ea typeface="+mn-ea"/>
+          <a:cs typeface="+mn-cs"/>
+        </a:defRPr>
+      </a:lvl9pPr>
+    </p:bodyStyle>
+    <p:otherStyle>
+      <a:defPPr>
+        <a:defRPr lang="ru-RU"/>
+      </a:defPPr>
+      <a:lvl1pPr marL="0" algn="l" defTabSz="914400" rtl="0" eaLnBrk="1" latinLnBrk="0" hangingPunct="1">
+        <a:defRPr sz="1800" kern="1200">
+          <a:solidFill>
+            <a:schemeClr val="tx1"/>
+          </a:solidFill>
+          <a:latin typeface="+mn-lt"/>
+          <a:ea typeface="+mn-ea"/>
+          <a:cs typeface="+mn-cs"/>
+        </a:defRPr>
+      </a:lvl1pPr>
+      <a:lvl2pPr marL="457200" algn="l" defTabSz="914400" rtl="0" eaLnBrk="1" latinLnBrk="0" hangingPunct="1">
+        <a:defRPr sz="1800" kern="1200">
+          <a:solidFill>
+            <a:schemeClr val="tx1"/>
+          </a:solidFill>
+          <a:latin typeface="+mn-lt"/>
+          <a:ea typeface="+mn-ea"/>
+          <a:cs typeface="+mn-cs"/>
+        </a:defRPr>
+      </a:lvl2pPr>
+      <a:lvl3pPr marL="914400" algn="l" defTabSz="914400" rtl="0" eaLnBrk="1" latinLnBrk="0" hangingPunct="1">
+        <a:defRPr sz="1800" kern="1200">
+          <a:solidFill>
+            <a:schemeClr val="tx1"/>
+          </a:solidFill>
+          <a:latin typeface="+mn-lt"/>
+          <a:ea typeface="+mn-ea"/>
+          <a:cs typeface="+mn-cs"/>
+        </a:defRPr>
+      </a:lvl3pPr>
+      <a:lvl4pPr marL="1371600" algn="l" defTabSz="914400" rtl="0" eaLnBrk="1" latinLnBrk="0" hangingPunct="1">
+        <a:defRPr sz="1800" kern="1200">
+          <a:solidFill>
+            <a:schemeClr val="tx1"/>
+          </a:solidFill>
+          <a:latin typeface="+mn-lt"/>
+          <a:ea typeface="+mn-ea"/>
+          <a:cs typeface="+mn-cs"/>
+        </a:defRPr>
+      </a:lvl4pPr>
+      <a:lvl5pPr marL="1828800" algn="l" defTabSz="914400" rtl="0" eaLnBrk="1" latinLnBrk="0" hangingPunct="1">
+        <a:defRPr sz="1800" kern="1200">
+          <a:solidFill>
+            <a:schemeClr val="tx1"/>
+          </a:solidFill>
+          <a:latin typeface="+mn-lt"/>
+          <a:ea typeface="+mn-ea"/>
+          <a:cs typeface="+mn-cs"/>
+        </a:defRPr>
+      </a:lvl5pPr>
+      <a:lvl6pPr marL="2286000" algn="l" defTabSz="914400" rtl="0" eaLnBrk="1" latinLnBrk="0" hangingPunct="1">
+        <a:defRPr sz="1800" kern="1200">
+          <a:solidFill>
+            <a:schemeClr val="tx1"/>
+          </a:solidFill>
+          <a:latin typeface="+mn-lt"/>
+          <a:ea typeface="+mn-ea"/>
+          <a:cs typeface="+mn-cs"/>
+        </a:defRPr>
+      </a:lvl6pPr>
+      <a:lvl7pPr marL="2743200" algn="l" defTabSz="914400" rtl="0" eaLnBrk="1" latinLnBrk="0" hangingPunct="1">
+        <a:defRPr sz="1800" kern="1200">
+          <a:solidFill>
+            <a:schemeClr val="tx1"/>
+          </a:solidFill>
+          <a:latin typeface="+mn-lt"/>
+          <a:ea typeface="+mn-ea"/>
+          <a:cs typeface="+mn-cs"/>
+        </a:defRPr>
+      </a:lvl7pPr>
+      <a:lvl8pPr marL="3200400" algn="l" defTabSz="914400" rtl="0" eaLnBrk="1" latinLnBrk="0" hangingPunct="1">
+        <a:defRPr sz="1800" kern="1200">
+          <a:solidFill>
+            <a:schemeClr val="tx1"/>
+          </a:solidFill>
+          <a:latin typeface="+mn-lt"/>
+          <a:ea typeface="+mn-ea"/>
+          <a:cs typeface="+mn-cs"/>
+        </a:defRPr>
+      </a:lvl8pPr>
+      <a:lvl9pPr marL="3657600" algn="l" defTabSz="914400" rtl="0" eaLnBrk="1" latinLnBrk="0" hangingPunct="1">
+        <a:defRPr sz="1800" kern="1200">
+          <a:solidFill>
+            <a:schemeClr val="tx1"/>
+          </a:solidFill>
+          <a:latin typeface="+mn-lt"/>
+          <a:ea typeface="+mn-ea"/>
+          <a:cs typeface="+mn-cs"/>
+        </a:defRPr>
+      </a:lvl9pPr>
+    </p:otherStyle>
+  </p:txStyles>
+</p:sldMaster>
+</file>
+
+<file path=ppt/slides/slide1.xml><?xml version="1.0" encoding="utf-8"?>
+<p:sld xmlns:a="http://schemas.openxmlformats.org/drawingml/2006/main" xmlns:r="http://schemas.openxmlformats.org/officeDocument/2006/relationships" xmlns:p="http://schemas.openxmlformats.org/presentationml/2006/main">
   <p:cSld>
     <p:spTree>
       <p:nvGrpSpPr>
@@ -2287,7 +3142,7 @@
       </p:grpSpPr>
       <p:sp>
         <p:nvSpPr>
-          <p:cNvPr id="0" name="PlaceHolder 1"/>
+          <p:cNvPr id="41" name="PlaceHolder 1"/>
           <p:cNvSpPr>
             <a:spLocks noGrp="1"/>
           </p:cNvSpPr>
@@ -2309,39 +3164,49 @@
           </a:ln>
         </p:spPr>
         <p:txBody>
-          <a:bodyPr lIns="0" rIns="0" tIns="0" bIns="0" anchor="ctr">
+          <a:bodyPr lIns="0" tIns="0" rIns="0" bIns="0" anchor="ctr">
             <a:noAutofit/>
           </a:bodyPr>
+          <a:lstStyle/>
           <a:p>
             <a:pPr algn="ctr">
               <a:buNone/>
             </a:pPr>
             <a:r>
-              <a:rPr b="0" lang="ru-RU" sz="4400" spc="-1" strike="noStrike">
+              <a:rPr lang="ru-RU" sz="4400" b="0" strike="noStrike" spc="-1" dirty="0">
                 <a:latin typeface="Arial"/>
               </a:rPr>
-              <a:t>Для правки текста заглавия щёлкните мышью</a:t>
-            </a:r>
-            <a:endParaRPr b="0" lang="ru-RU" sz="4400" spc="-1" strike="noStrike">
-              <a:latin typeface="Arial"/>
-            </a:endParaRPr>
-          </a:p>
-        </p:txBody>
-      </p:sp>
-      <p:sp>
-        <p:nvSpPr>
-          <p:cNvPr id="1" name="PlaceHolder 2"/>
-          <p:cNvSpPr>
-            <a:spLocks noGrp="1"/>
-          </p:cNvSpPr>
-          <p:nvPr>
-            <p:ph type="body"/>
+              <a:t>Игра «</a:t>
+            </a:r>
+            <a:r>
+              <a:rPr lang="ru-RU" sz="4400" b="0" strike="noStrike" spc="-1" dirty="0" smtClean="0">
+                <a:latin typeface="Arial"/>
+              </a:rPr>
+              <a:t>Морской </a:t>
+            </a:r>
+            <a:r>
+              <a:rPr lang="ru-RU" sz="4400" b="0" strike="noStrike" spc="-1" dirty="0">
+                <a:latin typeface="Arial"/>
+              </a:rPr>
+              <a:t>бой онлайн»</a:t>
+            </a:r>
+          </a:p>
+        </p:txBody>
+      </p:sp>
+      <p:sp>
+        <p:nvSpPr>
+          <p:cNvPr id="42" name="PlaceHolder 2"/>
+          <p:cNvSpPr>
+            <a:spLocks noGrp="1"/>
+          </p:cNvSpPr>
+          <p:nvPr>
+            <p:ph type="subTitle"/>
           </p:nvPr>
         </p:nvSpPr>
         <p:spPr>
           <a:xfrm>
-            <a:off x="504000" y="1326600"/>
-            <a:ext cx="9071640" cy="3288240"/>
+            <a:off x="6120000" y="2856600"/>
+            <a:ext cx="3600000" cy="1823400"/>
           </a:xfrm>
           <a:prstGeom prst="rect">
             <a:avLst/>
@@ -2352,336 +3217,74 @@
           </a:ln>
         </p:spPr>
         <p:txBody>
-          <a:bodyPr lIns="0" rIns="0" tIns="0" bIns="0" anchor="t">
-            <a:normAutofit/>
-          </a:bodyPr>
-          <a:p>
-            <a:pPr marL="432000" indent="-324000">
-              <a:spcBef>
-                <a:spcPts val="1417"/>
-              </a:spcBef>
-              <a:buClr>
-                <a:srgbClr val="000000"/>
-              </a:buClr>
-              <a:buSzPct val="45000"/>
-              <a:buFont typeface="Wingdings" charset="2"/>
-              <a:buChar char=""/>
-            </a:pPr>
-            <a:r>
-              <a:rPr b="0" lang="ru-RU" sz="3200" spc="-1" strike="noStrike">
-                <a:latin typeface="Arial"/>
-              </a:rPr>
-              <a:t>Для правки структуры щёлкните мышью</a:t>
-            </a:r>
-            <a:endParaRPr b="0" lang="ru-RU" sz="3200" spc="-1" strike="noStrike">
-              <a:latin typeface="Arial"/>
-            </a:endParaRPr>
-          </a:p>
-          <a:p>
-            <a:pPr lvl="1" marL="864000" indent="-324000">
-              <a:spcBef>
-                <a:spcPts val="1134"/>
-              </a:spcBef>
-              <a:buClr>
-                <a:srgbClr val="000000"/>
-              </a:buClr>
-              <a:buSzPct val="75000"/>
-              <a:buFont typeface="Symbol" charset="2"/>
-              <a:buChar char=""/>
-            </a:pPr>
-            <a:r>
-              <a:rPr b="0" lang="ru-RU" sz="2800" spc="-1" strike="noStrike">
-                <a:latin typeface="Arial"/>
-              </a:rPr>
-              <a:t>Второй уровень структуры</a:t>
-            </a:r>
-            <a:endParaRPr b="0" lang="ru-RU" sz="2800" spc="-1" strike="noStrike">
-              <a:latin typeface="Arial"/>
-            </a:endParaRPr>
-          </a:p>
-          <a:p>
-            <a:pPr lvl="2" marL="1296000" indent="-288000">
-              <a:spcBef>
-                <a:spcPts val="850"/>
-              </a:spcBef>
-              <a:buClr>
-                <a:srgbClr val="000000"/>
-              </a:buClr>
-              <a:buSzPct val="45000"/>
-              <a:buFont typeface="Wingdings" charset="2"/>
-              <a:buChar char=""/>
-            </a:pPr>
-            <a:r>
-              <a:rPr b="0" lang="ru-RU" sz="2400" spc="-1" strike="noStrike">
-                <a:latin typeface="Arial"/>
-              </a:rPr>
-              <a:t>Третий уровень структуры</a:t>
-            </a:r>
-            <a:endParaRPr b="0" lang="ru-RU" sz="2400" spc="-1" strike="noStrike">
-              <a:latin typeface="Arial"/>
-            </a:endParaRPr>
-          </a:p>
-          <a:p>
-            <a:pPr lvl="3" marL="1728000" indent="-216000">
-              <a:spcBef>
-                <a:spcPts val="567"/>
-              </a:spcBef>
-              <a:buClr>
-                <a:srgbClr val="000000"/>
-              </a:buClr>
-              <a:buSzPct val="75000"/>
-              <a:buFont typeface="Symbol" charset="2"/>
-              <a:buChar char=""/>
-            </a:pPr>
-            <a:r>
-              <a:rPr b="0" lang="ru-RU" sz="2000" spc="-1" strike="noStrike">
-                <a:latin typeface="Arial"/>
-              </a:rPr>
-              <a:t>Четвёртый уровень структуры</a:t>
-            </a:r>
-            <a:endParaRPr b="0" lang="ru-RU" sz="2000" spc="-1" strike="noStrike">
-              <a:latin typeface="Arial"/>
-            </a:endParaRPr>
-          </a:p>
-          <a:p>
-            <a:pPr lvl="4" marL="2160000" indent="-216000">
-              <a:spcBef>
-                <a:spcPts val="283"/>
-              </a:spcBef>
-              <a:buClr>
-                <a:srgbClr val="000000"/>
-              </a:buClr>
-              <a:buSzPct val="45000"/>
-              <a:buFont typeface="Wingdings" charset="2"/>
-              <a:buChar char=""/>
-            </a:pPr>
-            <a:r>
-              <a:rPr b="0" lang="ru-RU" sz="2000" spc="-1" strike="noStrike">
-                <a:latin typeface="Arial"/>
-              </a:rPr>
-              <a:t>Пятый уровень структуры</a:t>
-            </a:r>
-            <a:endParaRPr b="0" lang="ru-RU" sz="2000" spc="-1" strike="noStrike">
-              <a:latin typeface="Arial"/>
-            </a:endParaRPr>
-          </a:p>
-          <a:p>
-            <a:pPr lvl="5" marL="2592000" indent="-216000">
-              <a:spcBef>
-                <a:spcPts val="283"/>
-              </a:spcBef>
-              <a:buClr>
-                <a:srgbClr val="000000"/>
-              </a:buClr>
-              <a:buSzPct val="45000"/>
-              <a:buFont typeface="Wingdings" charset="2"/>
-              <a:buChar char=""/>
-            </a:pPr>
-            <a:r>
-              <a:rPr b="0" lang="ru-RU" sz="2000" spc="-1" strike="noStrike">
-                <a:latin typeface="Arial"/>
-              </a:rPr>
-              <a:t>Шестой уровень структуры</a:t>
-            </a:r>
-            <a:endParaRPr b="0" lang="ru-RU" sz="2000" spc="-1" strike="noStrike">
-              <a:latin typeface="Arial"/>
-            </a:endParaRPr>
-          </a:p>
-          <a:p>
-            <a:pPr lvl="6" marL="3024000" indent="-216000">
-              <a:spcBef>
-                <a:spcPts val="283"/>
-              </a:spcBef>
-              <a:buClr>
-                <a:srgbClr val="000000"/>
-              </a:buClr>
-              <a:buSzPct val="45000"/>
-              <a:buFont typeface="Wingdings" charset="2"/>
-              <a:buChar char=""/>
-            </a:pPr>
-            <a:r>
-              <a:rPr b="0" lang="ru-RU" sz="2000" spc="-1" strike="noStrike">
-                <a:latin typeface="Arial"/>
-              </a:rPr>
-              <a:t>Седьмой уровень структуры</a:t>
-            </a:r>
-            <a:endParaRPr b="0" lang="ru-RU" sz="2000" spc="-1" strike="noStrike">
-              <a:latin typeface="Arial"/>
-            </a:endParaRPr>
-          </a:p>
-        </p:txBody>
-      </p:sp>
-      <p:sp>
-        <p:nvSpPr>
-          <p:cNvPr id="2" name="PlaceHolder 3"/>
-          <p:cNvSpPr>
-            <a:spLocks noGrp="1"/>
-          </p:cNvSpPr>
-          <p:nvPr>
-            <p:ph type="dt" idx="1"/>
-          </p:nvPr>
-        </p:nvSpPr>
-        <p:spPr>
-          <a:xfrm>
-            <a:off x="504000" y="5165280"/>
-            <a:ext cx="2348280" cy="390600"/>
-          </a:xfrm>
-          <a:prstGeom prst="rect">
-            <a:avLst/>
-          </a:prstGeom>
-          <a:noFill/>
-          <a:ln w="0">
-            <a:noFill/>
-          </a:ln>
-        </p:spPr>
-        <p:txBody>
-          <a:bodyPr lIns="0" rIns="0" tIns="0" bIns="0" anchor="t">
+          <a:bodyPr lIns="0" tIns="0" rIns="0" bIns="0" anchor="ctr">
             <a:noAutofit/>
           </a:bodyPr>
-          <a:lstStyle>
-            <a:lvl1pPr>
-              <a:defRPr b="0" lang="ru-RU" sz="1400" spc="-1" strike="noStrike">
-                <a:latin typeface="Times New Roman"/>
-              </a:defRPr>
-            </a:lvl1pPr>
-          </a:lstStyle>
-          <a:p>
-            <a:r>
-              <a:rPr b="0" lang="ru-RU" sz="1400" spc="-1" strike="noStrike">
-                <a:latin typeface="Times New Roman"/>
-              </a:rPr>
-              <a:t>&lt;дата/время&gt;</a:t>
-            </a:r>
-            <a:endParaRPr b="0" lang="ru-RU" sz="1400" spc="-1" strike="noStrike">
-              <a:latin typeface="Times New Roman"/>
-            </a:endParaRPr>
-          </a:p>
-        </p:txBody>
-      </p:sp>
-      <p:sp>
-        <p:nvSpPr>
-          <p:cNvPr id="3" name="PlaceHolder 4"/>
-          <p:cNvSpPr>
-            <a:spLocks noGrp="1"/>
-          </p:cNvSpPr>
-          <p:nvPr>
-            <p:ph type="ftr" idx="2"/>
-          </p:nvPr>
-        </p:nvSpPr>
-        <p:spPr>
-          <a:xfrm>
-            <a:off x="3447360" y="5165280"/>
-            <a:ext cx="3195000" cy="390600"/>
-          </a:xfrm>
-          <a:prstGeom prst="rect">
-            <a:avLst/>
-          </a:prstGeom>
-          <a:noFill/>
-          <a:ln w="0">
-            <a:noFill/>
-          </a:ln>
-        </p:spPr>
-        <p:txBody>
-          <a:bodyPr lIns="0" rIns="0" tIns="0" bIns="0" anchor="t">
-            <a:noAutofit/>
-          </a:bodyPr>
-          <a:lstStyle>
-            <a:lvl1pPr algn="ctr">
-              <a:buNone/>
-              <a:defRPr b="0" lang="ru-RU" sz="1400" spc="-1" strike="noStrike">
-                <a:latin typeface="Times New Roman"/>
-              </a:defRPr>
-            </a:lvl1pPr>
-          </a:lstStyle>
+          <a:lstStyle/>
           <a:p>
             <a:pPr algn="ctr">
               <a:buNone/>
             </a:pPr>
             <a:r>
-              <a:rPr b="0" lang="ru-RU" sz="1400" spc="-1" strike="noStrike">
-                <a:latin typeface="Times New Roman"/>
+              <a:rPr lang="ru-RU" sz="3200" b="0" strike="noStrike" spc="-1">
+                <a:latin typeface="Arial"/>
               </a:rPr>
-              <a:t>&lt;нижний колонтитул&gt;</a:t>
-            </a:r>
-            <a:endParaRPr b="0" lang="ru-RU" sz="1400" spc="-1" strike="noStrike">
-              <a:latin typeface="Times New Roman"/>
-            </a:endParaRPr>
-          </a:p>
-        </p:txBody>
-      </p:sp>
-      <p:sp>
-        <p:nvSpPr>
-          <p:cNvPr id="4" name="PlaceHolder 5"/>
-          <p:cNvSpPr>
-            <a:spLocks noGrp="1"/>
-          </p:cNvSpPr>
-          <p:nvPr>
-            <p:ph type="sldNum" idx="3"/>
-          </p:nvPr>
-        </p:nvSpPr>
-        <p:spPr>
-          <a:xfrm>
-            <a:off x="7227360" y="5165280"/>
-            <a:ext cx="2348280" cy="390600"/>
-          </a:xfrm>
-          <a:prstGeom prst="rect">
-            <a:avLst/>
-          </a:prstGeom>
-          <a:noFill/>
-          <a:ln w="0">
-            <a:noFill/>
-          </a:ln>
-        </p:spPr>
-        <p:txBody>
-          <a:bodyPr lIns="0" rIns="0" tIns="0" bIns="0" anchor="t">
-            <a:noAutofit/>
-          </a:bodyPr>
-          <a:lstStyle>
-            <a:lvl1pPr algn="r">
-              <a:buNone/>
-              <a:defRPr b="0" lang="ru-RU" sz="1400" spc="-1" strike="noStrike">
-                <a:latin typeface="Times New Roman"/>
-              </a:defRPr>
-            </a:lvl1pPr>
-          </a:lstStyle>
-          <a:p>
-            <a:pPr algn="r">
+              <a:t>Выполнили:</a:t>
+            </a:r>
+          </a:p>
+          <a:p>
+            <a:pPr algn="ctr">
               <a:buNone/>
             </a:pPr>
-            <a:fld id="{9BCB737B-4471-4B8E-9BED-40A68167B3F2}" type="slidenum">
-              <a:rPr b="0" lang="ru-RU" sz="1400" spc="-1" strike="noStrike">
-                <a:latin typeface="Times New Roman"/>
+            <a:r>
+              <a:rPr lang="ru-RU" sz="3200" b="0" strike="noStrike" spc="-1">
+                <a:latin typeface="Arial"/>
               </a:rPr>
-              <a:t>&lt;номер&gt;</a:t>
-            </a:fld>
-            <a:endParaRPr b="0" lang="ru-RU" sz="1400" spc="-1" strike="noStrike">
-              <a:latin typeface="Times New Roman"/>
-            </a:endParaRPr>
+              <a:t>Иван Болотов</a:t>
+            </a:r>
+          </a:p>
+          <a:p>
+            <a:pPr algn="ctr">
+              <a:buNone/>
+            </a:pPr>
+            <a:r>
+              <a:rPr lang="ru-RU" sz="3200" b="0" strike="noStrike" spc="-1">
+                <a:latin typeface="Arial"/>
+              </a:rPr>
+              <a:t>Шитов Роман</a:t>
+            </a:r>
+          </a:p>
+          <a:p>
+            <a:pPr algn="ctr">
+              <a:buNone/>
+            </a:pPr>
+            <a:r>
+              <a:rPr lang="ru-RU" sz="3200" b="0" strike="noStrike" spc="-1">
+                <a:latin typeface="Arial"/>
+              </a:rPr>
+              <a:t>Дмитриев Даниил</a:t>
+            </a:r>
           </a:p>
         </p:txBody>
       </p:sp>
     </p:spTree>
   </p:cSld>
-  <p:clrMap bg1="lt1" bg2="lt2" tx1="dk1" tx2="dk2" accent1="accent1" accent2="accent2" accent3="accent3" accent4="accent4" accent5="accent5" accent6="accent6" hlink="hlink" folHlink="folHlink"/>
-  <p:sldLayoutIdLst>
-    <p:sldLayoutId id="2147483649" r:id="rId2"/>
-    <p:sldLayoutId id="2147483650" r:id="rId3"/>
-    <p:sldLayoutId id="2147483651" r:id="rId4"/>
-    <p:sldLayoutId id="2147483652" r:id="rId5"/>
-    <p:sldLayoutId id="2147483653" r:id="rId6"/>
-    <p:sldLayoutId id="2147483654" r:id="rId7"/>
-    <p:sldLayoutId id="2147483655" r:id="rId8"/>
-    <p:sldLayoutId id="2147483656" r:id="rId9"/>
-    <p:sldLayoutId id="2147483657" r:id="rId10"/>
-    <p:sldLayoutId id="2147483658" r:id="rId11"/>
-    <p:sldLayoutId id="2147483659" r:id="rId12"/>
-    <p:sldLayoutId id="2147483660" r:id="rId13"/>
-  </p:sldLayoutIdLst>
-</p:sldMaster>
+  <p:clrMapOvr>
+    <a:masterClrMapping/>
+  </p:clrMapOvr>
+  <mc:AlternateContent xmlns:mc="http://schemas.openxmlformats.org/markup-compatibility/2006" xmlns:p14="http://schemas.microsoft.com/office/powerpoint/2010/main">
+    <mc:Choice Requires="p14">
+      <p:transition spd="slow" p14:dur="2000"/>
+    </mc:Choice>
+    <mc:Fallback xmlns:p15="http://schemas.microsoft.com/office/powerpoint/2012/main" xmlns="">
+      <p:transition spd="slow"/>
+    </mc:Fallback>
+  </mc:AlternateContent>
+</p:sld>
 </file>
 
-<file path=ppt/slides/slide1.xml><?xml version="1.0" encoding="utf-8"?>
-<p:sld xmlns:a="http://schemas.openxmlformats.org/drawingml/2006/main" xmlns:p="http://schemas.openxmlformats.org/presentationml/2006/main" xmlns:r="http://schemas.openxmlformats.org/officeDocument/2006/relationships" xmlns:p14="http://schemas.microsoft.com/office/powerpoint/2010/main" xmlns:p15="http://schemas.microsoft.com/office/powerpoint/2012/main" xmlns:mc="http://schemas.openxmlformats.org/markup-compatibility/2006">
+<file path=ppt/slides/slide2.xml><?xml version="1.0" encoding="utf-8"?>
+<p:sld xmlns:a="http://schemas.openxmlformats.org/drawingml/2006/main" xmlns:r="http://schemas.openxmlformats.org/officeDocument/2006/relationships" xmlns:p="http://schemas.openxmlformats.org/presentationml/2006/main">
   <p:cSld>
     <p:spTree>
       <p:nvGrpSpPr>
@@ -2699,7 +3302,315 @@
       </p:grpSpPr>
       <p:sp>
         <p:nvSpPr>
-          <p:cNvPr id="41" name="PlaceHolder 1"/>
+          <p:cNvPr id="2" name="Заголовок 1"/>
+          <p:cNvSpPr>
+            <a:spLocks noGrp="1"/>
+          </p:cNvSpPr>
+          <p:nvPr>
+            <p:ph type="title"/>
+          </p:nvPr>
+        </p:nvSpPr>
+        <p:spPr/>
+        <p:txBody>
+          <a:bodyPr/>
+          <a:lstStyle/>
+          <a:p>
+            <a:pPr algn="ctr"/>
+            <a:r>
+              <a:rPr lang="ru-RU" dirty="0" smtClean="0"/>
+              <a:t>Рождение идеи</a:t>
+            </a:r>
+            <a:endParaRPr lang="ru-RU" dirty="0"/>
+          </a:p>
+        </p:txBody>
+      </p:sp>
+      <p:sp>
+        <p:nvSpPr>
+          <p:cNvPr id="3" name="Объект 2"/>
+          <p:cNvSpPr>
+            <a:spLocks noGrp="1"/>
+          </p:cNvSpPr>
+          <p:nvPr>
+            <p:ph/>
+          </p:nvPr>
+        </p:nvSpPr>
+        <p:spPr/>
+        <p:txBody>
+          <a:bodyPr>
+            <a:normAutofit lnSpcReduction="10000"/>
+          </a:bodyPr>
+          <a:lstStyle/>
+          <a:p>
+            <a:r>
+              <a:rPr lang="ru-RU" dirty="0" smtClean="0"/>
+              <a:t>Мы долго думали</a:t>
+            </a:r>
+            <a:r>
+              <a:rPr lang="en-US" dirty="0" smtClean="0"/>
+              <a:t>, </a:t>
+            </a:r>
+            <a:r>
+              <a:rPr lang="ru-RU" dirty="0" smtClean="0"/>
+              <a:t>какой именно проект нам сделать. Рассматривались варианты сделать </a:t>
+            </a:r>
+            <a:r>
+              <a:rPr lang="en-US" dirty="0" smtClean="0"/>
+              <a:t>“</a:t>
+            </a:r>
+            <a:r>
+              <a:rPr lang="ru-RU" dirty="0" smtClean="0"/>
+              <a:t>тетрис</a:t>
+            </a:r>
+            <a:r>
+              <a:rPr lang="en-US" dirty="0" smtClean="0"/>
+              <a:t>”, </a:t>
+            </a:r>
+            <a:r>
+              <a:rPr lang="ru-RU" dirty="0" smtClean="0"/>
+              <a:t>игру по типу </a:t>
+            </a:r>
+            <a:r>
+              <a:rPr lang="en-US" dirty="0" smtClean="0"/>
+              <a:t>“</a:t>
+            </a:r>
+            <a:r>
+              <a:rPr lang="en-US" dirty="0" err="1" smtClean="0"/>
+              <a:t>Undertale</a:t>
+            </a:r>
+            <a:r>
+              <a:rPr lang="en-US" dirty="0" smtClean="0"/>
+              <a:t>” </a:t>
+            </a:r>
+            <a:r>
+              <a:rPr lang="ru-RU" dirty="0" smtClean="0"/>
+              <a:t>или </a:t>
+            </a:r>
+            <a:r>
+              <a:rPr lang="ru-RU" dirty="0" err="1" smtClean="0"/>
+              <a:t>стелялку</a:t>
+            </a:r>
+            <a:r>
+              <a:rPr lang="ru-RU" dirty="0" smtClean="0"/>
+              <a:t> наподобие </a:t>
+            </a:r>
+            <a:r>
+              <a:rPr lang="en-US" dirty="0" smtClean="0"/>
+              <a:t>“20 Minutes Till Dawn”.</a:t>
+            </a:r>
+            <a:endParaRPr lang="ru-RU" dirty="0" smtClean="0"/>
+          </a:p>
+          <a:p>
+            <a:endParaRPr lang="en-US" dirty="0" smtClean="0"/>
+          </a:p>
+          <a:p>
+            <a:r>
+              <a:rPr lang="ru-RU" dirty="0" smtClean="0"/>
+              <a:t>Но мы понимали</a:t>
+            </a:r>
+            <a:r>
+              <a:rPr lang="en-US" dirty="0" smtClean="0"/>
+              <a:t>, </a:t>
+            </a:r>
+            <a:r>
+              <a:rPr lang="ru-RU" dirty="0" smtClean="0"/>
+              <a:t>что все эти игры уже были  сделаны кем-то до нас</a:t>
+            </a:r>
+            <a:r>
+              <a:rPr lang="en-US" dirty="0" smtClean="0"/>
+              <a:t>, </a:t>
+            </a:r>
+            <a:r>
+              <a:rPr lang="ru-RU" dirty="0" smtClean="0"/>
+              <a:t>а нам хотелось сделать что-то новое</a:t>
+            </a:r>
+            <a:r>
+              <a:rPr lang="ru-RU" dirty="0"/>
+              <a:t> </a:t>
+            </a:r>
+            <a:r>
+              <a:rPr lang="ru-RU" dirty="0" smtClean="0"/>
+              <a:t>и необычное.</a:t>
+            </a:r>
+          </a:p>
+        </p:txBody>
+      </p:sp>
+    </p:spTree>
+    <p:extLst>
+      <p:ext uri="{BB962C8B-B14F-4D97-AF65-F5344CB8AC3E}">
+        <p14:creationId xmlns:p14="http://schemas.microsoft.com/office/powerpoint/2010/main" val="1622552555"/>
+      </p:ext>
+    </p:extLst>
+  </p:cSld>
+  <p:clrMapOvr>
+    <a:masterClrMapping/>
+  </p:clrMapOvr>
+</p:sld>
+</file>
+
+<file path=ppt/slides/slide3.xml><?xml version="1.0" encoding="utf-8"?>
+<p:sld xmlns:a="http://schemas.openxmlformats.org/drawingml/2006/main" xmlns:r="http://schemas.openxmlformats.org/officeDocument/2006/relationships" xmlns:p="http://schemas.openxmlformats.org/presentationml/2006/main">
+  <p:cSld>
+    <p:spTree>
+      <p:nvGrpSpPr>
+        <p:cNvPr id="1" name=""/>
+        <p:cNvGrpSpPr/>
+        <p:nvPr/>
+      </p:nvGrpSpPr>
+      <p:grpSpPr>
+        <a:xfrm>
+          <a:off x="0" y="0"/>
+          <a:ext cx="0" cy="0"/>
+          <a:chOff x="0" y="0"/>
+          <a:chExt cx="0" cy="0"/>
+        </a:xfrm>
+      </p:grpSpPr>
+      <p:sp>
+        <p:nvSpPr>
+          <p:cNvPr id="2" name="Заголовок 1"/>
+          <p:cNvSpPr>
+            <a:spLocks noGrp="1"/>
+          </p:cNvSpPr>
+          <p:nvPr>
+            <p:ph type="title"/>
+          </p:nvPr>
+        </p:nvSpPr>
+        <p:spPr/>
+        <p:txBody>
+          <a:bodyPr/>
+          <a:lstStyle/>
+          <a:p>
+            <a:pPr algn="ctr"/>
+            <a:r>
+              <a:rPr lang="ru-RU" dirty="0" smtClean="0"/>
+              <a:t>Рождение идеи</a:t>
+            </a:r>
+            <a:endParaRPr lang="ru-RU" dirty="0"/>
+          </a:p>
+        </p:txBody>
+      </p:sp>
+      <p:sp>
+        <p:nvSpPr>
+          <p:cNvPr id="3" name="Объект 2"/>
+          <p:cNvSpPr>
+            <a:spLocks noGrp="1"/>
+          </p:cNvSpPr>
+          <p:nvPr>
+            <p:ph/>
+          </p:nvPr>
+        </p:nvSpPr>
+        <p:spPr/>
+        <p:txBody>
+          <a:bodyPr>
+            <a:normAutofit fontScale="92500" lnSpcReduction="10000"/>
+          </a:bodyPr>
+          <a:lstStyle/>
+          <a:p>
+            <a:r>
+              <a:rPr lang="ru-RU" dirty="0" smtClean="0"/>
+              <a:t>Внезапно кому-то из нас пришла идея сделать онлайн-игру с сетевым взаимодействием. Недолго думая</a:t>
+            </a:r>
+            <a:r>
+              <a:rPr lang="en-US" dirty="0" smtClean="0"/>
+              <a:t>, </a:t>
+            </a:r>
+            <a:r>
+              <a:rPr lang="ru-RU" dirty="0" smtClean="0"/>
+              <a:t>мы все согласились на такую задумку</a:t>
+            </a:r>
+            <a:r>
+              <a:rPr lang="en-US" dirty="0" smtClean="0"/>
+              <a:t>, </a:t>
+            </a:r>
+            <a:r>
+              <a:rPr lang="ru-RU" dirty="0" smtClean="0"/>
+              <a:t>хотя</a:t>
+            </a:r>
+            <a:r>
+              <a:rPr lang="en-US" dirty="0" smtClean="0"/>
+              <a:t> </a:t>
+            </a:r>
+            <a:r>
+              <a:rPr lang="ru-RU" dirty="0" smtClean="0"/>
+              <a:t>она была не из простых</a:t>
+            </a:r>
+            <a:r>
+              <a:rPr lang="en-US" dirty="0" smtClean="0"/>
+              <a:t>, </a:t>
+            </a:r>
+            <a:r>
+              <a:rPr lang="ru-RU" dirty="0" smtClean="0"/>
+              <a:t>ведь подразумевала изучение нового материала по работе с сетью.</a:t>
+            </a:r>
+          </a:p>
+          <a:p>
+            <a:endParaRPr lang="ru-RU" dirty="0"/>
+          </a:p>
+          <a:p>
+            <a:r>
+              <a:rPr lang="ru-RU" dirty="0" smtClean="0"/>
+              <a:t>Игра </a:t>
+            </a:r>
+            <a:r>
+              <a:rPr lang="en-US" dirty="0" smtClean="0"/>
+              <a:t>“</a:t>
+            </a:r>
+            <a:r>
+              <a:rPr lang="ru-RU" dirty="0" smtClean="0"/>
+              <a:t>Морской бой</a:t>
+            </a:r>
+            <a:r>
+              <a:rPr lang="en-US" dirty="0" smtClean="0"/>
+              <a:t>”</a:t>
+            </a:r>
+            <a:r>
+              <a:rPr lang="ru-RU" dirty="0" smtClean="0"/>
+              <a:t> идеально подходила под поставленные задачи</a:t>
+            </a:r>
+            <a:r>
+              <a:rPr lang="en-US" dirty="0" smtClean="0"/>
+              <a:t>, </a:t>
+            </a:r>
+            <a:r>
+              <a:rPr lang="ru-RU" dirty="0" smtClean="0"/>
+              <a:t>поэтому мы все хором согласились делать именно этот проект.</a:t>
+            </a:r>
+            <a:endParaRPr lang="ru-RU" dirty="0"/>
+          </a:p>
+        </p:txBody>
+      </p:sp>
+    </p:spTree>
+    <p:extLst>
+      <p:ext uri="{BB962C8B-B14F-4D97-AF65-F5344CB8AC3E}">
+        <p14:creationId xmlns:p14="http://schemas.microsoft.com/office/powerpoint/2010/main" val="3853014957"/>
+      </p:ext>
+    </p:extLst>
+  </p:cSld>
+  <p:clrMapOvr>
+    <a:masterClrMapping/>
+  </p:clrMapOvr>
+</p:sld>
+</file>
+
+<file path=ppt/slides/slide4.xml><?xml version="1.0" encoding="utf-8"?>
+<p:sld xmlns:a="http://schemas.openxmlformats.org/drawingml/2006/main" xmlns:r="http://schemas.openxmlformats.org/officeDocument/2006/relationships" xmlns:p="http://schemas.openxmlformats.org/presentationml/2006/main">
+  <p:cSld>
+    <p:spTree>
+      <p:nvGrpSpPr>
+        <p:cNvPr id="1" name=""/>
+        <p:cNvGrpSpPr/>
+        <p:nvPr/>
+      </p:nvGrpSpPr>
+      <p:grpSpPr>
+        <a:xfrm>
+          <a:off x="0" y="0"/>
+          <a:ext cx="0" cy="0"/>
+          <a:chOff x="0" y="0"/>
+          <a:chExt cx="0" cy="0"/>
+        </a:xfrm>
+      </p:grpSpPr>
+      <p:sp>
+        <p:nvSpPr>
+          <p:cNvPr id="2" name="Заголовок 1"/>
           <p:cNvSpPr>
             <a:spLocks noGrp="1"/>
           </p:cNvSpPr>
@@ -2709,132 +3620,659 @@
         </p:nvSpPr>
         <p:spPr>
           <a:xfrm>
-            <a:off x="504000" y="226080"/>
-            <a:ext cx="9071640" cy="946440"/>
+            <a:off x="80433" y="74160"/>
+            <a:ext cx="9897534" cy="1250280"/>
+          </a:xfrm>
+        </p:spPr>
+        <p:txBody>
+          <a:bodyPr/>
+          <a:lstStyle/>
+          <a:p>
+            <a:pPr algn="ctr"/>
+            <a:r>
+              <a:rPr lang="ru-RU" dirty="0" smtClean="0"/>
+              <a:t>Первый этап</a:t>
+            </a:r>
+            <a:r>
+              <a:rPr lang="en-US" dirty="0" smtClean="0"/>
+              <a:t>: </a:t>
+            </a:r>
+            <a:r>
+              <a:rPr lang="ru-RU" dirty="0" smtClean="0"/>
+              <a:t>распределение задач</a:t>
+            </a:r>
+            <a:endParaRPr lang="ru-RU" dirty="0"/>
+          </a:p>
+        </p:txBody>
+      </p:sp>
+      <p:sp>
+        <p:nvSpPr>
+          <p:cNvPr id="3" name="Объект 2"/>
+          <p:cNvSpPr>
+            <a:spLocks noGrp="1"/>
+          </p:cNvSpPr>
+          <p:nvPr>
+            <p:ph/>
+          </p:nvPr>
+        </p:nvSpPr>
+        <p:spPr/>
+        <p:txBody>
+          <a:bodyPr>
+            <a:normAutofit fontScale="92500" lnSpcReduction="10000"/>
+          </a:bodyPr>
+          <a:lstStyle/>
+          <a:p>
+            <a:r>
+              <a:rPr lang="ru-RU" dirty="0" smtClean="0"/>
+              <a:t>Иван </a:t>
+            </a:r>
+            <a:r>
+              <a:rPr lang="ru-RU" dirty="0" err="1" smtClean="0"/>
+              <a:t>Болотов</a:t>
+            </a:r>
+            <a:r>
+              <a:rPr lang="en-US" dirty="0" smtClean="0"/>
+              <a:t>: </a:t>
+            </a:r>
+            <a:r>
+              <a:rPr lang="ru-RU" dirty="0" smtClean="0"/>
+              <a:t>Написание логики создания игровых комнат на сервере и сетевого </a:t>
+            </a:r>
+            <a:r>
+              <a:rPr lang="ru-RU" dirty="0" err="1" smtClean="0"/>
+              <a:t>взаимодейсвия</a:t>
+            </a:r>
+            <a:r>
+              <a:rPr lang="ru-RU" dirty="0" smtClean="0"/>
+              <a:t> между игроками в течение игры.</a:t>
+            </a:r>
+          </a:p>
+          <a:p>
+            <a:r>
+              <a:rPr lang="ru-RU" dirty="0" smtClean="0"/>
+              <a:t>Роман Шитов</a:t>
+            </a:r>
+            <a:r>
+              <a:rPr lang="en-US" dirty="0" smtClean="0"/>
+              <a:t>: </a:t>
+            </a:r>
+            <a:r>
+              <a:rPr lang="ru-RU" dirty="0" smtClean="0"/>
+              <a:t>Написание логики обработки различных пользовательских событий</a:t>
+            </a:r>
+            <a:r>
+              <a:rPr lang="en-US" dirty="0" smtClean="0"/>
+              <a:t>, </a:t>
+            </a:r>
+            <a:r>
+              <a:rPr lang="ru-RU" dirty="0" smtClean="0"/>
+              <a:t>произошедших в процессе игры.</a:t>
+            </a:r>
+          </a:p>
+          <a:p>
+            <a:r>
+              <a:rPr lang="ru-RU" dirty="0" smtClean="0"/>
+              <a:t>Дмитриев Даниил</a:t>
+            </a:r>
+            <a:r>
+              <a:rPr lang="en-US" dirty="0" smtClean="0"/>
+              <a:t>: </a:t>
+            </a:r>
+            <a:r>
+              <a:rPr lang="ru-RU" dirty="0" smtClean="0"/>
+              <a:t>Создание классов</a:t>
+            </a:r>
+            <a:r>
+              <a:rPr lang="en-US" dirty="0" smtClean="0"/>
+              <a:t>, </a:t>
+            </a:r>
+            <a:r>
+              <a:rPr lang="ru-RU" dirty="0" smtClean="0"/>
+              <a:t>реализующих все графические объектов игры с функциями для их </a:t>
+            </a:r>
+            <a:r>
+              <a:rPr lang="ru-RU" dirty="0" err="1" smtClean="0"/>
+              <a:t>отрисовки</a:t>
+            </a:r>
+            <a:r>
+              <a:rPr lang="ru-RU" dirty="0" smtClean="0"/>
+              <a:t> на основном экране.</a:t>
+            </a:r>
+            <a:endParaRPr lang="ru-RU" dirty="0"/>
+          </a:p>
+        </p:txBody>
+      </p:sp>
+    </p:spTree>
+    <p:extLst>
+      <p:ext uri="{BB962C8B-B14F-4D97-AF65-F5344CB8AC3E}">
+        <p14:creationId xmlns:p14="http://schemas.microsoft.com/office/powerpoint/2010/main" val="357655690"/>
+      </p:ext>
+    </p:extLst>
+  </p:cSld>
+  <p:clrMapOvr>
+    <a:masterClrMapping/>
+  </p:clrMapOvr>
+</p:sld>
+</file>
+
+<file path=ppt/slides/slide5.xml><?xml version="1.0" encoding="utf-8"?>
+<p:sld xmlns:a="http://schemas.openxmlformats.org/drawingml/2006/main" xmlns:r="http://schemas.openxmlformats.org/officeDocument/2006/relationships" xmlns:p="http://schemas.openxmlformats.org/presentationml/2006/main">
+  <p:cSld>
+    <p:spTree>
+      <p:nvGrpSpPr>
+        <p:cNvPr id="1" name=""/>
+        <p:cNvGrpSpPr/>
+        <p:nvPr/>
+      </p:nvGrpSpPr>
+      <p:grpSpPr>
+        <a:xfrm>
+          <a:off x="0" y="0"/>
+          <a:ext cx="0" cy="0"/>
+          <a:chOff x="0" y="0"/>
+          <a:chExt cx="0" cy="0"/>
+        </a:xfrm>
+      </p:grpSpPr>
+      <p:sp>
+        <p:nvSpPr>
+          <p:cNvPr id="2" name="Заголовок 1"/>
+          <p:cNvSpPr>
+            <a:spLocks noGrp="1"/>
+          </p:cNvSpPr>
+          <p:nvPr>
+            <p:ph type="title"/>
+          </p:nvPr>
+        </p:nvSpPr>
+        <p:spPr/>
+        <p:txBody>
+          <a:bodyPr/>
+          <a:lstStyle/>
+          <a:p>
+            <a:pPr algn="ctr"/>
+            <a:r>
+              <a:rPr lang="ru-RU" dirty="0" smtClean="0"/>
+              <a:t>Используемые технологии</a:t>
+            </a:r>
+            <a:r>
+              <a:rPr lang="en-US" dirty="0" smtClean="0"/>
+              <a:t>:</a:t>
+            </a:r>
+            <a:endParaRPr lang="ru-RU" dirty="0"/>
+          </a:p>
+        </p:txBody>
+      </p:sp>
+      <p:sp>
+        <p:nvSpPr>
+          <p:cNvPr id="3" name="Объект 2"/>
+          <p:cNvSpPr>
+            <a:spLocks noGrp="1"/>
+          </p:cNvSpPr>
+          <p:nvPr>
+            <p:ph/>
+          </p:nvPr>
+        </p:nvSpPr>
+        <p:spPr/>
+        <p:txBody>
+          <a:bodyPr>
+            <a:normAutofit fontScale="92500" lnSpcReduction="10000"/>
+          </a:bodyPr>
+          <a:lstStyle/>
+          <a:p>
+            <a:r>
+              <a:rPr lang="ru-RU" dirty="0" smtClean="0"/>
+              <a:t>Библиотека </a:t>
+            </a:r>
+            <a:r>
+              <a:rPr lang="en-US" dirty="0" err="1" smtClean="0"/>
+              <a:t>Pygame</a:t>
+            </a:r>
+            <a:r>
+              <a:rPr lang="en-US" dirty="0" smtClean="0"/>
+              <a:t>, </a:t>
+            </a:r>
+            <a:r>
+              <a:rPr lang="ru-RU" dirty="0" smtClean="0"/>
+              <a:t>реализующая весь графический интерфейс игры и её звуковые эффекты.</a:t>
+            </a:r>
+          </a:p>
+          <a:p>
+            <a:r>
+              <a:rPr lang="ru-RU" dirty="0" smtClean="0"/>
+              <a:t>Библиотеки </a:t>
+            </a:r>
+            <a:r>
+              <a:rPr lang="en-US" dirty="0" err="1" smtClean="0"/>
+              <a:t>Asyncio</a:t>
+            </a:r>
+            <a:r>
+              <a:rPr lang="en-US" dirty="0" smtClean="0"/>
+              <a:t>, Multiprocessing </a:t>
+            </a:r>
+            <a:r>
+              <a:rPr lang="ru-RU" dirty="0" smtClean="0"/>
+              <a:t>и </a:t>
+            </a:r>
+            <a:r>
+              <a:rPr lang="en-US" dirty="0" smtClean="0"/>
+              <a:t>Threading</a:t>
+            </a:r>
+            <a:r>
+              <a:rPr lang="ru-RU" dirty="0" smtClean="0"/>
+              <a:t> для распараллеливания выполнения блокирующих задач и для грамотного использования ресурсов компьютера (в том числе на сервере).</a:t>
+            </a:r>
+          </a:p>
+          <a:p>
+            <a:r>
+              <a:rPr lang="ru-RU" dirty="0" smtClean="0"/>
+              <a:t>Асинхронная библиотека </a:t>
+            </a:r>
+            <a:r>
+              <a:rPr lang="en-US" dirty="0" err="1" smtClean="0"/>
+              <a:t>Websockets</a:t>
+            </a:r>
+            <a:r>
+              <a:rPr lang="en-US" dirty="0" smtClean="0"/>
+              <a:t> </a:t>
+            </a:r>
+            <a:r>
+              <a:rPr lang="ru-RU" dirty="0" smtClean="0"/>
+              <a:t>для реализации клиент-серверного взаимодействия по одноимённому сетевому протоколу «</a:t>
+            </a:r>
+            <a:r>
+              <a:rPr lang="en-US" dirty="0" err="1" smtClean="0"/>
+              <a:t>Websocket</a:t>
+            </a:r>
+            <a:r>
+              <a:rPr lang="ru-RU" dirty="0" smtClean="0"/>
+              <a:t>»</a:t>
+            </a:r>
+            <a:r>
+              <a:rPr lang="en-US" dirty="0" smtClean="0"/>
+              <a:t> (</a:t>
+            </a:r>
+            <a:r>
+              <a:rPr lang="ru-RU" dirty="0" smtClean="0"/>
+              <a:t>«</a:t>
+            </a:r>
+            <a:r>
+              <a:rPr lang="en-US" dirty="0" err="1" smtClean="0"/>
+              <a:t>ws</a:t>
+            </a:r>
+            <a:r>
+              <a:rPr lang="ru-RU" dirty="0" smtClean="0"/>
+              <a:t>»</a:t>
+            </a:r>
+            <a:r>
+              <a:rPr lang="en-US" dirty="0" smtClean="0"/>
+              <a:t>).</a:t>
+            </a:r>
+            <a:endParaRPr lang="ru-RU" dirty="0"/>
+          </a:p>
+        </p:txBody>
+      </p:sp>
+    </p:spTree>
+    <p:extLst>
+      <p:ext uri="{BB962C8B-B14F-4D97-AF65-F5344CB8AC3E}">
+        <p14:creationId xmlns:p14="http://schemas.microsoft.com/office/powerpoint/2010/main" val="2229635593"/>
+      </p:ext>
+    </p:extLst>
+  </p:cSld>
+  <p:clrMapOvr>
+    <a:masterClrMapping/>
+  </p:clrMapOvr>
+</p:sld>
+</file>
+
+<file path=ppt/slides/slide6.xml><?xml version="1.0" encoding="utf-8"?>
+<p:sld xmlns:a="http://schemas.openxmlformats.org/drawingml/2006/main" xmlns:r="http://schemas.openxmlformats.org/officeDocument/2006/relationships" xmlns:p="http://schemas.openxmlformats.org/presentationml/2006/main">
+  <p:cSld>
+    <p:spTree>
+      <p:nvGrpSpPr>
+        <p:cNvPr id="1" name=""/>
+        <p:cNvGrpSpPr/>
+        <p:nvPr/>
+      </p:nvGrpSpPr>
+      <p:grpSpPr>
+        <a:xfrm>
+          <a:off x="0" y="0"/>
+          <a:ext cx="0" cy="0"/>
+          <a:chOff x="0" y="0"/>
+          <a:chExt cx="0" cy="0"/>
+        </a:xfrm>
+      </p:grpSpPr>
+      <p:sp>
+        <p:nvSpPr>
+          <p:cNvPr id="2" name="Заголовок 1"/>
+          <p:cNvSpPr>
+            <a:spLocks noGrp="1"/>
+          </p:cNvSpPr>
+          <p:nvPr>
+            <p:ph type="title"/>
+          </p:nvPr>
+        </p:nvSpPr>
+        <p:spPr/>
+        <p:txBody>
+          <a:bodyPr/>
+          <a:lstStyle/>
+          <a:p>
+            <a:pPr algn="ctr"/>
+            <a:r>
+              <a:rPr lang="ru-RU" dirty="0" smtClean="0"/>
+              <a:t>Используемые технологии</a:t>
+            </a:r>
+            <a:r>
+              <a:rPr lang="en-US" dirty="0" smtClean="0"/>
+              <a:t>:</a:t>
+            </a:r>
+            <a:endParaRPr lang="ru-RU" dirty="0"/>
+          </a:p>
+        </p:txBody>
+      </p:sp>
+      <p:sp>
+        <p:nvSpPr>
+          <p:cNvPr id="3" name="Объект 2"/>
+          <p:cNvSpPr>
+            <a:spLocks noGrp="1"/>
+          </p:cNvSpPr>
+          <p:nvPr>
+            <p:ph/>
+          </p:nvPr>
+        </p:nvSpPr>
+        <p:spPr/>
+        <p:txBody>
+          <a:bodyPr/>
+          <a:lstStyle/>
+          <a:p>
+            <a:r>
+              <a:rPr lang="ru-RU" dirty="0" smtClean="0"/>
+              <a:t>Также использовалась встроенная библиотека </a:t>
+            </a:r>
+            <a:r>
+              <a:rPr lang="en-US" dirty="0" err="1" smtClean="0"/>
+              <a:t>Json</a:t>
+            </a:r>
+            <a:r>
+              <a:rPr lang="en-US" dirty="0" smtClean="0"/>
+              <a:t> </a:t>
+            </a:r>
+            <a:r>
+              <a:rPr lang="ru-RU" dirty="0" smtClean="0"/>
+              <a:t>для удобства передачи и приёма информации.</a:t>
+            </a:r>
+          </a:p>
+          <a:p>
+            <a:pPr marL="0" indent="0">
+              <a:buNone/>
+            </a:pPr>
+            <a:endParaRPr lang="ru-RU" dirty="0" smtClean="0"/>
+          </a:p>
+          <a:p>
+            <a:r>
+              <a:rPr lang="ru-RU" dirty="0" smtClean="0"/>
+              <a:t>Весь код был написан в ООП стиле с древовидной структурой папок и файлов. </a:t>
+            </a:r>
+            <a:endParaRPr lang="en-US" dirty="0" smtClean="0"/>
+          </a:p>
+        </p:txBody>
+      </p:sp>
+    </p:spTree>
+    <p:extLst>
+      <p:ext uri="{BB962C8B-B14F-4D97-AF65-F5344CB8AC3E}">
+        <p14:creationId xmlns:p14="http://schemas.microsoft.com/office/powerpoint/2010/main" val="399701455"/>
+      </p:ext>
+    </p:extLst>
+  </p:cSld>
+  <p:clrMapOvr>
+    <a:masterClrMapping/>
+  </p:clrMapOvr>
+</p:sld>
+</file>
+
+<file path=ppt/slides/slide7.xml><?xml version="1.0" encoding="utf-8"?>
+<p:sld xmlns:a="http://schemas.openxmlformats.org/drawingml/2006/main" xmlns:r="http://schemas.openxmlformats.org/officeDocument/2006/relationships" xmlns:p="http://schemas.openxmlformats.org/presentationml/2006/main">
+  <p:cSld>
+    <p:spTree>
+      <p:nvGrpSpPr>
+        <p:cNvPr id="1" name=""/>
+        <p:cNvGrpSpPr/>
+        <p:nvPr/>
+      </p:nvGrpSpPr>
+      <p:grpSpPr>
+        <a:xfrm>
+          <a:off x="0" y="0"/>
+          <a:ext cx="0" cy="0"/>
+          <a:chOff x="0" y="0"/>
+          <a:chExt cx="0" cy="0"/>
+        </a:xfrm>
+      </p:grpSpPr>
+      <p:sp>
+        <p:nvSpPr>
+          <p:cNvPr id="2" name="Заголовок 1"/>
+          <p:cNvSpPr>
+            <a:spLocks noGrp="1"/>
+          </p:cNvSpPr>
+          <p:nvPr>
+            <p:ph type="title"/>
+          </p:nvPr>
+        </p:nvSpPr>
+        <p:spPr/>
+        <p:txBody>
+          <a:bodyPr/>
+          <a:lstStyle/>
+          <a:p>
+            <a:pPr algn="ctr"/>
+            <a:r>
+              <a:rPr lang="ru-RU" dirty="0" smtClean="0"/>
+              <a:t>Структура проекта</a:t>
+            </a:r>
+            <a:endParaRPr lang="ru-RU" dirty="0"/>
+          </a:p>
+        </p:txBody>
+      </p:sp>
+      <p:sp>
+        <p:nvSpPr>
+          <p:cNvPr id="3" name="Объект 2"/>
+          <p:cNvSpPr>
+            <a:spLocks noGrp="1"/>
+          </p:cNvSpPr>
+          <p:nvPr>
+            <p:ph/>
+          </p:nvPr>
+        </p:nvSpPr>
+        <p:spPr/>
+        <p:txBody>
+          <a:bodyPr/>
+          <a:lstStyle/>
+          <a:p>
+            <a:r>
+              <a:rPr lang="ru-RU" dirty="0" smtClean="0"/>
+              <a:t>В папке «</a:t>
+            </a:r>
+            <a:r>
+              <a:rPr lang="en-US" dirty="0" smtClean="0"/>
+              <a:t>Audio</a:t>
+            </a:r>
+            <a:r>
+              <a:rPr lang="ru-RU" dirty="0" smtClean="0"/>
+              <a:t>»</a:t>
+            </a:r>
+            <a:r>
+              <a:rPr lang="en-US" dirty="0" smtClean="0"/>
+              <a:t> </a:t>
+            </a:r>
+            <a:r>
+              <a:rPr lang="ru-RU" dirty="0" smtClean="0"/>
+              <a:t>хранятся все звуковые файлы.</a:t>
+            </a:r>
+          </a:p>
+          <a:p>
+            <a:r>
+              <a:rPr lang="ru-RU" dirty="0" smtClean="0"/>
+              <a:t>В папке «</a:t>
+            </a:r>
+            <a:r>
+              <a:rPr lang="en-US" dirty="0" smtClean="0"/>
+              <a:t>Images</a:t>
+            </a:r>
+            <a:r>
+              <a:rPr lang="ru-RU" dirty="0" smtClean="0"/>
+              <a:t>»</a:t>
+            </a:r>
+            <a:r>
+              <a:rPr lang="ru-RU" dirty="0"/>
+              <a:t> </a:t>
+            </a:r>
+            <a:r>
+              <a:rPr lang="ru-RU" dirty="0" smtClean="0"/>
+              <a:t>лежат картинки</a:t>
+            </a:r>
+          </a:p>
+          <a:p>
+            <a:r>
+              <a:rPr lang="ru-RU" dirty="0" smtClean="0"/>
+              <a:t>В папке «</a:t>
+            </a:r>
+            <a:r>
+              <a:rPr lang="en-US" dirty="0" smtClean="0"/>
+              <a:t>Server</a:t>
+            </a:r>
+            <a:r>
+              <a:rPr lang="ru-RU" dirty="0" smtClean="0"/>
+              <a:t>»</a:t>
+            </a:r>
+            <a:r>
+              <a:rPr lang="en-US" dirty="0" smtClean="0"/>
+              <a:t> </a:t>
+            </a:r>
+            <a:r>
+              <a:rPr lang="ru-RU" dirty="0" smtClean="0"/>
+              <a:t>находится вся сетевая логика</a:t>
+            </a:r>
+          </a:p>
+          <a:p>
+            <a:r>
+              <a:rPr lang="ru-RU" dirty="0" smtClean="0"/>
+              <a:t>Папка «</a:t>
+            </a:r>
+            <a:r>
+              <a:rPr lang="en-US" dirty="0" smtClean="0"/>
+              <a:t>Classes</a:t>
+            </a:r>
+            <a:r>
+              <a:rPr lang="ru-RU" dirty="0" smtClean="0"/>
+              <a:t>»</a:t>
+            </a:r>
+            <a:r>
+              <a:rPr lang="en-US" dirty="0" smtClean="0"/>
+              <a:t> </a:t>
+            </a:r>
+            <a:r>
+              <a:rPr lang="ru-RU" dirty="0" smtClean="0"/>
+              <a:t>служит для хранения классов всех графических объектов игры.</a:t>
+            </a:r>
+          </a:p>
+          <a:p>
+            <a:r>
+              <a:rPr lang="ru-RU" dirty="0" smtClean="0"/>
+              <a:t>В корневом каталоге проекта находится основной запускаемый файл </a:t>
+            </a:r>
+            <a:r>
+              <a:rPr lang="en-US" dirty="0" smtClean="0"/>
+              <a:t>“main.py”.</a:t>
+            </a:r>
+            <a:endParaRPr lang="ru-RU" dirty="0" smtClean="0"/>
+          </a:p>
+        </p:txBody>
+      </p:sp>
+    </p:spTree>
+    <p:extLst>
+      <p:ext uri="{BB962C8B-B14F-4D97-AF65-F5344CB8AC3E}">
+        <p14:creationId xmlns:p14="http://schemas.microsoft.com/office/powerpoint/2010/main" val="672645236"/>
+      </p:ext>
+    </p:extLst>
+  </p:cSld>
+  <p:clrMapOvr>
+    <a:masterClrMapping/>
+  </p:clrMapOvr>
+</p:sld>
+</file>
+
+<file path=ppt/slides/slide8.xml><?xml version="1.0" encoding="utf-8"?>
+<p:sld xmlns:a="http://schemas.openxmlformats.org/drawingml/2006/main" xmlns:r="http://schemas.openxmlformats.org/officeDocument/2006/relationships" xmlns:p="http://schemas.openxmlformats.org/presentationml/2006/main">
+  <p:cSld>
+    <p:spTree>
+      <p:nvGrpSpPr>
+        <p:cNvPr id="1" name=""/>
+        <p:cNvGrpSpPr/>
+        <p:nvPr/>
+      </p:nvGrpSpPr>
+      <p:grpSpPr>
+        <a:xfrm>
+          <a:off x="0" y="0"/>
+          <a:ext cx="0" cy="0"/>
+          <a:chOff x="0" y="0"/>
+          <a:chExt cx="0" cy="0"/>
+        </a:xfrm>
+      </p:grpSpPr>
+      <p:sp>
+        <p:nvSpPr>
+          <p:cNvPr id="2" name="Заголовок 1"/>
+          <p:cNvSpPr>
+            <a:spLocks noGrp="1"/>
+          </p:cNvSpPr>
+          <p:nvPr>
+            <p:ph type="title"/>
+          </p:nvPr>
+        </p:nvSpPr>
+        <p:spPr/>
+        <p:txBody>
+          <a:bodyPr/>
+          <a:lstStyle/>
+          <a:p>
+            <a:pPr algn="ctr"/>
+            <a:r>
+              <a:rPr lang="ru-RU" i="1" dirty="0" smtClean="0"/>
+              <a:t>Спасибо за внимание!!!</a:t>
+            </a:r>
+            <a:endParaRPr lang="ru-RU" i="1" dirty="0"/>
+          </a:p>
+        </p:txBody>
+      </p:sp>
+      <p:pic>
+        <p:nvPicPr>
+          <p:cNvPr id="4" name="Объект 3"/>
+          <p:cNvPicPr>
+            <a:picLocks noGrp="1" noChangeAspect="1"/>
+          </p:cNvPicPr>
+          <p:nvPr>
+            <p:ph/>
+          </p:nvPr>
+        </p:nvPicPr>
+        <p:blipFill>
+          <a:blip r:embed="rId2"/>
+          <a:stretch>
+            <a:fillRect/>
+          </a:stretch>
+        </p:blipFill>
+        <p:spPr>
+          <a:xfrm>
+            <a:off x="2630450" y="1327150"/>
+            <a:ext cx="4818138" cy="3287713"/>
           </a:xfrm>
           <a:prstGeom prst="rect">
             <a:avLst/>
           </a:prstGeom>
-          <a:noFill/>
-          <a:ln w="0">
-            <a:noFill/>
-          </a:ln>
         </p:spPr>
-        <p:txBody>
-          <a:bodyPr lIns="0" rIns="0" tIns="0" bIns="0" anchor="ctr">
-            <a:noAutofit/>
-          </a:bodyPr>
-          <a:p>
-            <a:pPr algn="ctr">
-              <a:buNone/>
-            </a:pPr>
-            <a:r>
-              <a:rPr b="0" lang="ru-RU" sz="4400" spc="-1" strike="noStrike">
-                <a:latin typeface="Arial"/>
-              </a:rPr>
-              <a:t>Игра «Морской бой онлайн»</a:t>
-            </a:r>
-            <a:endParaRPr b="0" lang="ru-RU" sz="4400" spc="-1" strike="noStrike">
-              <a:latin typeface="Arial"/>
-            </a:endParaRPr>
-          </a:p>
-        </p:txBody>
-      </p:sp>
-      <p:sp>
-        <p:nvSpPr>
-          <p:cNvPr id="42" name="PlaceHolder 2"/>
-          <p:cNvSpPr>
-            <a:spLocks noGrp="1"/>
-          </p:cNvSpPr>
-          <p:nvPr>
-            <p:ph type="subTitle"/>
-          </p:nvPr>
-        </p:nvSpPr>
-        <p:spPr>
-          <a:xfrm>
-            <a:off x="6120000" y="2856600"/>
-            <a:ext cx="3600000" cy="1823400"/>
-          </a:xfrm>
-          <a:prstGeom prst="rect">
-            <a:avLst/>
-          </a:prstGeom>
-          <a:noFill/>
-          <a:ln w="0">
-            <a:noFill/>
-          </a:ln>
-        </p:spPr>
-        <p:txBody>
-          <a:bodyPr lIns="0" rIns="0" tIns="0" bIns="0" anchor="ctr">
-            <a:noAutofit/>
-          </a:bodyPr>
-          <a:p>
-            <a:pPr algn="ctr">
-              <a:buNone/>
-            </a:pPr>
-            <a:r>
-              <a:rPr b="0" lang="ru-RU" sz="3200" spc="-1" strike="noStrike">
-                <a:latin typeface="Arial"/>
-              </a:rPr>
-              <a:t>Выполнили:</a:t>
-            </a:r>
-            <a:endParaRPr b="0" lang="ru-RU" sz="3200" spc="-1" strike="noStrike">
-              <a:latin typeface="Arial"/>
-            </a:endParaRPr>
-          </a:p>
-          <a:p>
-            <a:pPr algn="ctr">
-              <a:buNone/>
-            </a:pPr>
-            <a:r>
-              <a:rPr b="0" lang="ru-RU" sz="3200" spc="-1" strike="noStrike">
-                <a:latin typeface="Arial"/>
-              </a:rPr>
-              <a:t>Иван Болотов</a:t>
-            </a:r>
-            <a:endParaRPr b="0" lang="ru-RU" sz="3200" spc="-1" strike="noStrike">
-              <a:latin typeface="Arial"/>
-            </a:endParaRPr>
-          </a:p>
-          <a:p>
-            <a:pPr algn="ctr">
-              <a:buNone/>
-            </a:pPr>
-            <a:r>
-              <a:rPr b="0" lang="ru-RU" sz="3200" spc="-1" strike="noStrike">
-                <a:latin typeface="Arial"/>
-              </a:rPr>
-              <a:t>Шитов Роман</a:t>
-            </a:r>
-            <a:endParaRPr b="0" lang="ru-RU" sz="3200" spc="-1" strike="noStrike">
-              <a:latin typeface="Arial"/>
-            </a:endParaRPr>
-          </a:p>
-          <a:p>
-            <a:pPr algn="ctr">
-              <a:buNone/>
-            </a:pPr>
-            <a:r>
-              <a:rPr b="0" lang="ru-RU" sz="3200" spc="-1" strike="noStrike">
-                <a:latin typeface="Arial"/>
-              </a:rPr>
-              <a:t>Дмитриев Даниил</a:t>
-            </a:r>
-            <a:endParaRPr b="0" lang="ru-RU" sz="3200" spc="-1" strike="noStrike">
-              <a:latin typeface="Arial"/>
-            </a:endParaRPr>
-          </a:p>
-        </p:txBody>
-      </p:sp>
+      </p:pic>
     </p:spTree>
+    <p:extLst>
+      <p:ext uri="{BB962C8B-B14F-4D97-AF65-F5344CB8AC3E}">
+        <p14:creationId xmlns:p14="http://schemas.microsoft.com/office/powerpoint/2010/main" val="753373021"/>
+      </p:ext>
+    </p:extLst>
   </p:cSld>
-  <mc:AlternateContent>
-    <mc:Choice Requires="p14">
-      <p:transition spd="slow" p14:dur="2000"/>
-    </mc:Choice>
-    <mc:Fallback>
-      <p:transition spd="slow"/>
-    </mc:Fallback>
-  </mc:AlternateContent>
+  <p:clrMapOvr>
+    <a:masterClrMapping/>
+  </p:clrMapOvr>
 </p:sld>
 </file>
 
@@ -2849,31 +4287,31 @@
         <a:sysClr val="window" lastClr="FFFFFF"/>
       </a:lt1>
       <a:dk2>
-        <a:srgbClr val="1f497d"/>
+        <a:srgbClr val="1F497D"/>
       </a:dk2>
       <a:lt2>
-        <a:srgbClr val="eeece1"/>
+        <a:srgbClr val="EEECE1"/>
       </a:lt2>
       <a:accent1>
-        <a:srgbClr val="4f81bd"/>
+        <a:srgbClr val="4F81BD"/>
       </a:accent1>
       <a:accent2>
-        <a:srgbClr val="c0504d"/>
+        <a:srgbClr val="C0504D"/>
       </a:accent2>
       <a:accent3>
-        <a:srgbClr val="9bbb59"/>
+        <a:srgbClr val="9BBB59"/>
       </a:accent3>
       <a:accent4>
-        <a:srgbClr val="8064a2"/>
+        <a:srgbClr val="8064A2"/>
       </a:accent4>
       <a:accent5>
-        <a:srgbClr val="4bacc6"/>
+        <a:srgbClr val="4BACC6"/>
       </a:accent5>
       <a:accent6>
-        <a:srgbClr val="f79646"/>
+        <a:srgbClr val="F79646"/>
       </a:accent6>
       <a:hlink>
-        <a:srgbClr val="0000ff"/>
+        <a:srgbClr val="0000FF"/>
       </a:hlink>
       <a:folHlink>
         <a:srgbClr val="800080"/>
@@ -3061,5 +4499,7 @@
       </a:bgFillStyleLst>
     </a:fmtScheme>
   </a:themeElements>
+  <a:objectDefaults/>
+  <a:extraClrSchemeLst/>
 </a:theme>
 </file>